--- a/SurveiliaPresentationPrac/SURVEILIAPracticePresentationV2.pptx
+++ b/SurveiliaPresentationPrac/SURVEILIAPracticePresentationV2.pptx
@@ -29,18 +29,11 @@
       <p:regular r:id="rId12"/>
     </p:embeddedFont>
     <p:embeddedFont>
-      <p:font typeface="Trebuchet MS" panose="020B0603020202020204" pitchFamily="34" charset="0"/>
+      <p:font typeface="Tw Cen MT" panose="020B0602020104020603" pitchFamily="34" charset="0"/>
       <p:regular r:id="rId13"/>
       <p:bold r:id="rId14"/>
       <p:italic r:id="rId15"/>
       <p:boldItalic r:id="rId16"/>
-    </p:embeddedFont>
-    <p:embeddedFont>
-      <p:font typeface="Tw Cen MT" panose="020B0602020104020603" pitchFamily="34" charset="0"/>
-      <p:regular r:id="rId17"/>
-      <p:bold r:id="rId18"/>
-      <p:italic r:id="rId19"/>
-      <p:boldItalic r:id="rId20"/>
     </p:embeddedFont>
   </p:embeddedFontLst>
   <p:defaultTextStyle>
@@ -1168,7 +1161,7 @@
           <a:noFill/>
           <a:extLst>
             <a:ext uri="{909E8E84-426E-40dd-AFC4-6F175D3DCCD1}">
-              <a14:hiddenFill xmlns:a14="http://schemas.microsoft.com/office/drawing/2010/main" xmlns="">
+              <a14:hiddenFill xmlns="" xmlns:a14="http://schemas.microsoft.com/office/drawing/2010/main">
                 <a:solidFill>
                   <a:srgbClr val="FFFFFF"/>
                 </a:solidFill>
@@ -1228,7 +1221,7 @@
             </a:ln>
             <a:extLst>
               <a:ext uri="{91240B29-F687-4f45-9708-019B960494DF}">
-                <a14:hiddenLine xmlns:a14="http://schemas.microsoft.com/office/drawing/2010/main" xmlns="" w="9525">
+                <a14:hiddenLine xmlns="" xmlns:a14="http://schemas.microsoft.com/office/drawing/2010/main" w="9525">
                   <a:solidFill>
                     <a:srgbClr val="000000"/>
                   </a:solidFill>
@@ -1318,7 +1311,7 @@
             </a:ln>
             <a:extLst>
               <a:ext uri="{91240B29-F687-4f45-9708-019B960494DF}">
-                <a14:hiddenLine xmlns:a14="http://schemas.microsoft.com/office/drawing/2010/main" xmlns="" w="9525">
+                <a14:hiddenLine xmlns="" xmlns:a14="http://schemas.microsoft.com/office/drawing/2010/main" w="9525">
                   <a:solidFill>
                     <a:srgbClr val="000000"/>
                   </a:solidFill>
@@ -1408,7 +1401,7 @@
             </a:ln>
             <a:extLst>
               <a:ext uri="{91240B29-F687-4f45-9708-019B960494DF}">
-                <a14:hiddenLine xmlns:a14="http://schemas.microsoft.com/office/drawing/2010/main" xmlns="" w="9525">
+                <a14:hiddenLine xmlns="" xmlns:a14="http://schemas.microsoft.com/office/drawing/2010/main" w="9525">
                   <a:solidFill>
                     <a:srgbClr val="000000"/>
                   </a:solidFill>
@@ -1442,7 +1435,7 @@
             </a:ln>
             <a:extLst>
               <a:ext uri="{91240B29-F687-4f45-9708-019B960494DF}">
-                <a14:hiddenLine xmlns:a14="http://schemas.microsoft.com/office/drawing/2010/main" xmlns="" w="9525">
+                <a14:hiddenLine xmlns="" xmlns:a14="http://schemas.microsoft.com/office/drawing/2010/main" w="9525">
                   <a:solidFill>
                     <a:srgbClr val="000000"/>
                   </a:solidFill>
@@ -1532,7 +1525,7 @@
             </a:ln>
             <a:extLst>
               <a:ext uri="{91240B29-F687-4f45-9708-019B960494DF}">
-                <a14:hiddenLine xmlns:a14="http://schemas.microsoft.com/office/drawing/2010/main" xmlns="" w="9525">
+                <a14:hiddenLine xmlns="" xmlns:a14="http://schemas.microsoft.com/office/drawing/2010/main" w="9525">
                   <a:solidFill>
                     <a:srgbClr val="000000"/>
                   </a:solidFill>
@@ -1594,7 +1587,7 @@
             </a:ln>
             <a:extLst>
               <a:ext uri="{91240B29-F687-4f45-9708-019B960494DF}">
-                <a14:hiddenLine xmlns:a14="http://schemas.microsoft.com/office/drawing/2010/main" xmlns="" w="9525">
+                <a14:hiddenLine xmlns="" xmlns:a14="http://schemas.microsoft.com/office/drawing/2010/main" w="9525">
                   <a:solidFill>
                     <a:srgbClr val="000000"/>
                   </a:solidFill>
@@ -1656,7 +1649,7 @@
             </a:ln>
             <a:extLst>
               <a:ext uri="{91240B29-F687-4f45-9708-019B960494DF}">
-                <a14:hiddenLine xmlns:a14="http://schemas.microsoft.com/office/drawing/2010/main" xmlns="" w="9525">
+                <a14:hiddenLine xmlns="" xmlns:a14="http://schemas.microsoft.com/office/drawing/2010/main" w="9525">
                   <a:solidFill>
                     <a:srgbClr val="000000"/>
                   </a:solidFill>
@@ -1746,7 +1739,7 @@
             </a:ln>
             <a:extLst>
               <a:ext uri="{91240B29-F687-4f45-9708-019B960494DF}">
-                <a14:hiddenLine xmlns:a14="http://schemas.microsoft.com/office/drawing/2010/main" xmlns="" w="9525">
+                <a14:hiddenLine xmlns="" xmlns:a14="http://schemas.microsoft.com/office/drawing/2010/main" w="9525">
                   <a:solidFill>
                     <a:srgbClr val="000000"/>
                   </a:solidFill>
@@ -1808,7 +1801,7 @@
             </a:ln>
             <a:extLst>
               <a:ext uri="{91240B29-F687-4f45-9708-019B960494DF}">
-                <a14:hiddenLine xmlns:a14="http://schemas.microsoft.com/office/drawing/2010/main" xmlns="" w="9525">
+                <a14:hiddenLine xmlns="" xmlns:a14="http://schemas.microsoft.com/office/drawing/2010/main" w="9525">
                   <a:solidFill>
                     <a:srgbClr val="000000"/>
                   </a:solidFill>
@@ -1870,7 +1863,7 @@
             </a:ln>
             <a:extLst>
               <a:ext uri="{91240B29-F687-4f45-9708-019B960494DF}">
-                <a14:hiddenLine xmlns:a14="http://schemas.microsoft.com/office/drawing/2010/main" xmlns="" w="9525">
+                <a14:hiddenLine xmlns="" xmlns:a14="http://schemas.microsoft.com/office/drawing/2010/main" w="9525">
                   <a:solidFill>
                     <a:srgbClr val="000000"/>
                   </a:solidFill>
@@ -1960,7 +1953,7 @@
             </a:ln>
             <a:extLst>
               <a:ext uri="{91240B29-F687-4f45-9708-019B960494DF}">
-                <a14:hiddenLine xmlns:a14="http://schemas.microsoft.com/office/drawing/2010/main" xmlns="" w="9525">
+                <a14:hiddenLine xmlns="" xmlns:a14="http://schemas.microsoft.com/office/drawing/2010/main" w="9525">
                   <a:solidFill>
                     <a:srgbClr val="000000"/>
                   </a:solidFill>
@@ -2050,7 +2043,7 @@
             </a:ln>
             <a:extLst>
               <a:ext uri="{91240B29-F687-4f45-9708-019B960494DF}">
-                <a14:hiddenLine xmlns:a14="http://schemas.microsoft.com/office/drawing/2010/main" xmlns="" w="9525">
+                <a14:hiddenLine xmlns="" xmlns:a14="http://schemas.microsoft.com/office/drawing/2010/main" w="9525">
                   <a:solidFill>
                     <a:srgbClr val="000000"/>
                   </a:solidFill>
@@ -2112,7 +2105,7 @@
             </a:ln>
             <a:extLst>
               <a:ext uri="{91240B29-F687-4f45-9708-019B960494DF}">
-                <a14:hiddenLine xmlns:a14="http://schemas.microsoft.com/office/drawing/2010/main" xmlns="" w="9525">
+                <a14:hiddenLine xmlns="" xmlns:a14="http://schemas.microsoft.com/office/drawing/2010/main" w="9525">
                   <a:solidFill>
                     <a:srgbClr val="000000"/>
                   </a:solidFill>
@@ -2222,7 +2215,7 @@
             </a:ln>
             <a:extLst>
               <a:ext uri="{91240B29-F687-4f45-9708-019B960494DF}">
-                <a14:hiddenLine xmlns:a14="http://schemas.microsoft.com/office/drawing/2010/main" xmlns="" w="9525">
+                <a14:hiddenLine xmlns="" xmlns:a14="http://schemas.microsoft.com/office/drawing/2010/main" w="9525">
                   <a:solidFill>
                     <a:srgbClr val="000000"/>
                   </a:solidFill>
@@ -2284,7 +2277,7 @@
             </a:ln>
             <a:extLst>
               <a:ext uri="{91240B29-F687-4f45-9708-019B960494DF}">
-                <a14:hiddenLine xmlns:a14="http://schemas.microsoft.com/office/drawing/2010/main" xmlns="" w="9525">
+                <a14:hiddenLine xmlns="" xmlns:a14="http://schemas.microsoft.com/office/drawing/2010/main" w="9525">
                   <a:solidFill>
                     <a:srgbClr val="000000"/>
                   </a:solidFill>
@@ -2374,7 +2367,7 @@
             </a:ln>
             <a:extLst>
               <a:ext uri="{91240B29-F687-4f45-9708-019B960494DF}">
-                <a14:hiddenLine xmlns:a14="http://schemas.microsoft.com/office/drawing/2010/main" xmlns="" w="9525">
+                <a14:hiddenLine xmlns="" xmlns:a14="http://schemas.microsoft.com/office/drawing/2010/main" w="9525">
                   <a:solidFill>
                     <a:srgbClr val="000000"/>
                   </a:solidFill>
@@ -2464,7 +2457,7 @@
             </a:ln>
             <a:extLst>
               <a:ext uri="{91240B29-F687-4f45-9708-019B960494DF}">
-                <a14:hiddenLine xmlns:a14="http://schemas.microsoft.com/office/drawing/2010/main" xmlns="" w="9525">
+                <a14:hiddenLine xmlns="" xmlns:a14="http://schemas.microsoft.com/office/drawing/2010/main" w="9525">
                   <a:solidFill>
                     <a:srgbClr val="000000"/>
                   </a:solidFill>
@@ -2526,7 +2519,7 @@
             </a:ln>
             <a:extLst>
               <a:ext uri="{91240B29-F687-4f45-9708-019B960494DF}">
-                <a14:hiddenLine xmlns:a14="http://schemas.microsoft.com/office/drawing/2010/main" xmlns="" w="9525">
+                <a14:hiddenLine xmlns="" xmlns:a14="http://schemas.microsoft.com/office/drawing/2010/main" w="9525">
                   <a:solidFill>
                     <a:srgbClr val="000000"/>
                   </a:solidFill>
@@ -2616,7 +2609,7 @@
             </a:ln>
             <a:extLst>
               <a:ext uri="{91240B29-F687-4f45-9708-019B960494DF}">
-                <a14:hiddenLine xmlns:a14="http://schemas.microsoft.com/office/drawing/2010/main" xmlns="" w="9525">
+                <a14:hiddenLine xmlns="" xmlns:a14="http://schemas.microsoft.com/office/drawing/2010/main" w="9525">
                   <a:solidFill>
                     <a:srgbClr val="000000"/>
                   </a:solidFill>
@@ -2706,7 +2699,7 @@
             </a:ln>
             <a:extLst>
               <a:ext uri="{91240B29-F687-4f45-9708-019B960494DF}">
-                <a14:hiddenLine xmlns:a14="http://schemas.microsoft.com/office/drawing/2010/main" xmlns="" w="9525">
+                <a14:hiddenLine xmlns="" xmlns:a14="http://schemas.microsoft.com/office/drawing/2010/main" w="9525">
                   <a:solidFill>
                     <a:srgbClr val="000000"/>
                   </a:solidFill>
@@ -2762,7 +2755,7 @@
             </a:ln>
             <a:extLst>
               <a:ext uri="{91240B29-F687-4f45-9708-019B960494DF}">
-                <a14:hiddenLine xmlns:a14="http://schemas.microsoft.com/office/drawing/2010/main" xmlns="" w="9525">
+                <a14:hiddenLine xmlns="" xmlns:a14="http://schemas.microsoft.com/office/drawing/2010/main" w="9525">
                   <a:solidFill>
                     <a:srgbClr val="000000"/>
                   </a:solidFill>
@@ -2852,7 +2845,7 @@
             </a:ln>
             <a:extLst>
               <a:ext uri="{91240B29-F687-4f45-9708-019B960494DF}">
-                <a14:hiddenLine xmlns:a14="http://schemas.microsoft.com/office/drawing/2010/main" xmlns="" w="9525">
+                <a14:hiddenLine xmlns="" xmlns:a14="http://schemas.microsoft.com/office/drawing/2010/main" w="9525">
                   <a:solidFill>
                     <a:srgbClr val="000000"/>
                   </a:solidFill>
@@ -2908,7 +2901,7 @@
             </a:ln>
             <a:extLst>
               <a:ext uri="{91240B29-F687-4f45-9708-019B960494DF}">
-                <a14:hiddenLine xmlns:a14="http://schemas.microsoft.com/office/drawing/2010/main" xmlns="" w="9525">
+                <a14:hiddenLine xmlns="" xmlns:a14="http://schemas.microsoft.com/office/drawing/2010/main" w="9525">
                   <a:solidFill>
                     <a:srgbClr val="000000"/>
                   </a:solidFill>
@@ -2998,7 +2991,7 @@
             </a:ln>
             <a:extLst>
               <a:ext uri="{91240B29-F687-4f45-9708-019B960494DF}">
-                <a14:hiddenLine xmlns:a14="http://schemas.microsoft.com/office/drawing/2010/main" xmlns="" w="9525">
+                <a14:hiddenLine xmlns="" xmlns:a14="http://schemas.microsoft.com/office/drawing/2010/main" w="9525">
                   <a:solidFill>
                     <a:srgbClr val="000000"/>
                   </a:solidFill>
@@ -3066,7 +3059,7 @@
             </a:ln>
             <a:extLst>
               <a:ext uri="{91240B29-F687-4f45-9708-019B960494DF}">
-                <a14:hiddenLine xmlns:a14="http://schemas.microsoft.com/office/drawing/2010/main" xmlns="" w="9525">
+                <a14:hiddenLine xmlns="" xmlns:a14="http://schemas.microsoft.com/office/drawing/2010/main" w="9525">
                   <a:solidFill>
                     <a:srgbClr val="000000"/>
                   </a:solidFill>
@@ -3156,7 +3149,7 @@
             </a:ln>
             <a:extLst>
               <a:ext uri="{91240B29-F687-4f45-9708-019B960494DF}">
-                <a14:hiddenLine xmlns:a14="http://schemas.microsoft.com/office/drawing/2010/main" xmlns="" w="9525">
+                <a14:hiddenLine xmlns="" xmlns:a14="http://schemas.microsoft.com/office/drawing/2010/main" w="9525">
                   <a:solidFill>
                     <a:srgbClr val="000000"/>
                   </a:solidFill>
@@ -3224,7 +3217,7 @@
             </a:ln>
             <a:extLst>
               <a:ext uri="{91240B29-F687-4f45-9708-019B960494DF}">
-                <a14:hiddenLine xmlns:a14="http://schemas.microsoft.com/office/drawing/2010/main" xmlns="" w="9525">
+                <a14:hiddenLine xmlns="" xmlns:a14="http://schemas.microsoft.com/office/drawing/2010/main" w="9525">
                   <a:solidFill>
                     <a:srgbClr val="000000"/>
                   </a:solidFill>
@@ -3314,7 +3307,7 @@
             </a:ln>
             <a:extLst>
               <a:ext uri="{91240B29-F687-4f45-9708-019B960494DF}">
-                <a14:hiddenLine xmlns:a14="http://schemas.microsoft.com/office/drawing/2010/main" xmlns="" w="9525">
+                <a14:hiddenLine xmlns="" xmlns:a14="http://schemas.microsoft.com/office/drawing/2010/main" w="9525">
                   <a:solidFill>
                     <a:srgbClr val="000000"/>
                   </a:solidFill>
@@ -3348,7 +3341,7 @@
             </a:ln>
             <a:extLst>
               <a:ext uri="{91240B29-F687-4f45-9708-019B960494DF}">
-                <a14:hiddenLine xmlns:a14="http://schemas.microsoft.com/office/drawing/2010/main" xmlns="" w="9525">
+                <a14:hiddenLine xmlns="" xmlns:a14="http://schemas.microsoft.com/office/drawing/2010/main" w="9525">
                   <a:solidFill>
                     <a:srgbClr val="000000"/>
                   </a:solidFill>
@@ -3438,7 +3431,7 @@
             </a:ln>
             <a:extLst>
               <a:ext uri="{91240B29-F687-4f45-9708-019B960494DF}">
-                <a14:hiddenLine xmlns:a14="http://schemas.microsoft.com/office/drawing/2010/main" xmlns="" w="9525">
+                <a14:hiddenLine xmlns="" xmlns:a14="http://schemas.microsoft.com/office/drawing/2010/main" w="9525">
                   <a:solidFill>
                     <a:srgbClr val="000000"/>
                   </a:solidFill>
@@ -3500,7 +3493,7 @@
             </a:ln>
             <a:extLst>
               <a:ext uri="{91240B29-F687-4f45-9708-019B960494DF}">
-                <a14:hiddenLine xmlns:a14="http://schemas.microsoft.com/office/drawing/2010/main" xmlns="" w="9525">
+                <a14:hiddenLine xmlns="" xmlns:a14="http://schemas.microsoft.com/office/drawing/2010/main" w="9525">
                   <a:solidFill>
                     <a:srgbClr val="000000"/>
                   </a:solidFill>
@@ -3562,7 +3555,7 @@
             </a:ln>
             <a:extLst>
               <a:ext uri="{91240B29-F687-4f45-9708-019B960494DF}">
-                <a14:hiddenLine xmlns:a14="http://schemas.microsoft.com/office/drawing/2010/main" xmlns="" w="9525">
+                <a14:hiddenLine xmlns="" xmlns:a14="http://schemas.microsoft.com/office/drawing/2010/main" w="9525">
                   <a:solidFill>
                     <a:srgbClr val="000000"/>
                   </a:solidFill>
@@ -3652,7 +3645,7 @@
             </a:ln>
             <a:extLst>
               <a:ext uri="{91240B29-F687-4f45-9708-019B960494DF}">
-                <a14:hiddenLine xmlns:a14="http://schemas.microsoft.com/office/drawing/2010/main" xmlns="" w="9525">
+                <a14:hiddenLine xmlns="" xmlns:a14="http://schemas.microsoft.com/office/drawing/2010/main" w="9525">
                   <a:solidFill>
                     <a:srgbClr val="000000"/>
                   </a:solidFill>
@@ -3720,7 +3713,7 @@
             </a:ln>
             <a:extLst>
               <a:ext uri="{91240B29-F687-4f45-9708-019B960494DF}">
-                <a14:hiddenLine xmlns:a14="http://schemas.microsoft.com/office/drawing/2010/main" xmlns="" w="9525">
+                <a14:hiddenLine xmlns="" xmlns:a14="http://schemas.microsoft.com/office/drawing/2010/main" w="9525">
                   <a:solidFill>
                     <a:srgbClr val="000000"/>
                   </a:solidFill>
@@ -3782,7 +3775,7 @@
             </a:ln>
             <a:extLst>
               <a:ext uri="{91240B29-F687-4f45-9708-019B960494DF}">
-                <a14:hiddenLine xmlns:a14="http://schemas.microsoft.com/office/drawing/2010/main" xmlns="" w="9525">
+                <a14:hiddenLine xmlns="" xmlns:a14="http://schemas.microsoft.com/office/drawing/2010/main" w="9525">
                   <a:solidFill>
                     <a:srgbClr val="000000"/>
                   </a:solidFill>
@@ -3872,7 +3865,7 @@
             </a:ln>
             <a:extLst>
               <a:ext uri="{91240B29-F687-4f45-9708-019B960494DF}">
-                <a14:hiddenLine xmlns:a14="http://schemas.microsoft.com/office/drawing/2010/main" xmlns="" w="9525">
+                <a14:hiddenLine xmlns="" xmlns:a14="http://schemas.microsoft.com/office/drawing/2010/main" w="9525">
                   <a:solidFill>
                     <a:srgbClr val="000000"/>
                   </a:solidFill>
@@ -3934,7 +3927,7 @@
             </a:ln>
             <a:extLst>
               <a:ext uri="{91240B29-F687-4f45-9708-019B960494DF}">
-                <a14:hiddenLine xmlns:a14="http://schemas.microsoft.com/office/drawing/2010/main" xmlns="" w="9525">
+                <a14:hiddenLine xmlns="" xmlns:a14="http://schemas.microsoft.com/office/drawing/2010/main" w="9525">
                   <a:solidFill>
                     <a:srgbClr val="000000"/>
                   </a:solidFill>
@@ -4024,7 +4017,7 @@
             </a:ln>
             <a:extLst>
               <a:ext uri="{91240B29-F687-4f45-9708-019B960494DF}">
-                <a14:hiddenLine xmlns:a14="http://schemas.microsoft.com/office/drawing/2010/main" xmlns="" w="9525">
+                <a14:hiddenLine xmlns="" xmlns:a14="http://schemas.microsoft.com/office/drawing/2010/main" w="9525">
                   <a:solidFill>
                     <a:srgbClr val="000000"/>
                   </a:solidFill>
@@ -4086,7 +4079,7 @@
             </a:ln>
             <a:extLst>
               <a:ext uri="{91240B29-F687-4f45-9708-019B960494DF}">
-                <a14:hiddenLine xmlns:a14="http://schemas.microsoft.com/office/drawing/2010/main" xmlns="" w="9525">
+                <a14:hiddenLine xmlns="" xmlns:a14="http://schemas.microsoft.com/office/drawing/2010/main" w="9525">
                   <a:solidFill>
                     <a:srgbClr val="000000"/>
                   </a:solidFill>
@@ -4176,7 +4169,7 @@
             </a:ln>
             <a:extLst>
               <a:ext uri="{91240B29-F687-4f45-9708-019B960494DF}">
-                <a14:hiddenLine xmlns:a14="http://schemas.microsoft.com/office/drawing/2010/main" xmlns="" w="9525">
+                <a14:hiddenLine xmlns="" xmlns:a14="http://schemas.microsoft.com/office/drawing/2010/main" w="9525">
                   <a:solidFill>
                     <a:srgbClr val="000000"/>
                   </a:solidFill>
@@ -4210,7 +4203,7 @@
             </a:ln>
             <a:extLst>
               <a:ext uri="{91240B29-F687-4f45-9708-019B960494DF}">
-                <a14:hiddenLine xmlns:a14="http://schemas.microsoft.com/office/drawing/2010/main" xmlns="" w="9525">
+                <a14:hiddenLine xmlns="" xmlns:a14="http://schemas.microsoft.com/office/drawing/2010/main" w="9525">
                   <a:solidFill>
                     <a:srgbClr val="000000"/>
                   </a:solidFill>
@@ -4275,7 +4268,7 @@
             </a:ln>
             <a:extLst>
               <a:ext uri="{91240B29-F687-4f45-9708-019B960494DF}">
-                <a14:hiddenLine xmlns:a14="http://schemas.microsoft.com/office/drawing/2010/main" xmlns="" w="9525">
+                <a14:hiddenLine xmlns="" xmlns:a14="http://schemas.microsoft.com/office/drawing/2010/main" w="9525">
                   <a:solidFill>
                     <a:srgbClr val="000000"/>
                   </a:solidFill>
@@ -4365,7 +4358,7 @@
             </a:ln>
             <a:extLst>
               <a:ext uri="{91240B29-F687-4f45-9708-019B960494DF}">
-                <a14:hiddenLine xmlns:a14="http://schemas.microsoft.com/office/drawing/2010/main" xmlns="" w="9525">
+                <a14:hiddenLine xmlns="" xmlns:a14="http://schemas.microsoft.com/office/drawing/2010/main" w="9525">
                   <a:solidFill>
                     <a:srgbClr val="000000"/>
                   </a:solidFill>
@@ -4427,7 +4420,7 @@
             </a:ln>
             <a:extLst>
               <a:ext uri="{91240B29-F687-4f45-9708-019B960494DF}">
-                <a14:hiddenLine xmlns:a14="http://schemas.microsoft.com/office/drawing/2010/main" xmlns="" w="9525">
+                <a14:hiddenLine xmlns="" xmlns:a14="http://schemas.microsoft.com/office/drawing/2010/main" w="9525">
                   <a:solidFill>
                     <a:srgbClr val="000000"/>
                   </a:solidFill>
@@ -4517,7 +4510,7 @@
             </a:ln>
             <a:extLst>
               <a:ext uri="{91240B29-F687-4f45-9708-019B960494DF}">
-                <a14:hiddenLine xmlns:a14="http://schemas.microsoft.com/office/drawing/2010/main" xmlns="" w="9525">
+                <a14:hiddenLine xmlns="" xmlns:a14="http://schemas.microsoft.com/office/drawing/2010/main" w="9525">
                   <a:solidFill>
                     <a:srgbClr val="000000"/>
                   </a:solidFill>
@@ -4607,7 +4600,7 @@
             </a:ln>
             <a:extLst>
               <a:ext uri="{91240B29-F687-4f45-9708-019B960494DF}">
-                <a14:hiddenLine xmlns:a14="http://schemas.microsoft.com/office/drawing/2010/main" xmlns="" w="9525">
+                <a14:hiddenLine xmlns="" xmlns:a14="http://schemas.microsoft.com/office/drawing/2010/main" w="9525">
                   <a:solidFill>
                     <a:srgbClr val="000000"/>
                   </a:solidFill>
@@ -4672,7 +4665,7 @@
             </a:ln>
             <a:extLst>
               <a:ext uri="{91240B29-F687-4f45-9708-019B960494DF}">
-                <a14:hiddenLine xmlns:a14="http://schemas.microsoft.com/office/drawing/2010/main" xmlns="" w="9525">
+                <a14:hiddenLine xmlns="" xmlns:a14="http://schemas.microsoft.com/office/drawing/2010/main" w="9525">
                   <a:solidFill>
                     <a:srgbClr val="000000"/>
                   </a:solidFill>
@@ -4734,7 +4727,7 @@
             </a:ln>
             <a:extLst>
               <a:ext uri="{91240B29-F687-4f45-9708-019B960494DF}">
-                <a14:hiddenLine xmlns:a14="http://schemas.microsoft.com/office/drawing/2010/main" xmlns="" w="9525">
+                <a14:hiddenLine xmlns="" xmlns:a14="http://schemas.microsoft.com/office/drawing/2010/main" w="9525">
                   <a:solidFill>
                     <a:srgbClr val="000000"/>
                   </a:solidFill>
@@ -4824,7 +4817,7 @@
             </a:ln>
             <a:extLst>
               <a:ext uri="{91240B29-F687-4f45-9708-019B960494DF}">
-                <a14:hiddenLine xmlns:a14="http://schemas.microsoft.com/office/drawing/2010/main" xmlns="" w="9525">
+                <a14:hiddenLine xmlns="" xmlns:a14="http://schemas.microsoft.com/office/drawing/2010/main" w="9525">
                   <a:solidFill>
                     <a:srgbClr val="000000"/>
                   </a:solidFill>
@@ -4914,7 +4907,7 @@
             </a:ln>
             <a:extLst>
               <a:ext uri="{91240B29-F687-4f45-9708-019B960494DF}">
-                <a14:hiddenLine xmlns:a14="http://schemas.microsoft.com/office/drawing/2010/main" xmlns="" w="9525">
+                <a14:hiddenLine xmlns="" xmlns:a14="http://schemas.microsoft.com/office/drawing/2010/main" w="9525">
                   <a:solidFill>
                     <a:srgbClr val="000000"/>
                   </a:solidFill>
@@ -4976,7 +4969,7 @@
             </a:ln>
             <a:extLst>
               <a:ext uri="{91240B29-F687-4f45-9708-019B960494DF}">
-                <a14:hiddenLine xmlns:a14="http://schemas.microsoft.com/office/drawing/2010/main" xmlns="" w="9525">
+                <a14:hiddenLine xmlns="" xmlns:a14="http://schemas.microsoft.com/office/drawing/2010/main" w="9525">
                   <a:solidFill>
                     <a:srgbClr val="000000"/>
                   </a:solidFill>
@@ -5096,7 +5089,7 @@
             </a:ln>
             <a:extLst>
               <a:ext uri="{91240B29-F687-4f45-9708-019B960494DF}">
-                <a14:hiddenLine xmlns:a14="http://schemas.microsoft.com/office/drawing/2010/main" xmlns="" w="9525">
+                <a14:hiddenLine xmlns="" xmlns:a14="http://schemas.microsoft.com/office/drawing/2010/main" w="9525">
                   <a:solidFill>
                     <a:srgbClr val="000000"/>
                   </a:solidFill>
@@ -5164,7 +5157,7 @@
             </a:ln>
             <a:extLst>
               <a:ext uri="{91240B29-F687-4f45-9708-019B960494DF}">
-                <a14:hiddenLine xmlns:a14="http://schemas.microsoft.com/office/drawing/2010/main" xmlns="" w="9525">
+                <a14:hiddenLine xmlns="" xmlns:a14="http://schemas.microsoft.com/office/drawing/2010/main" w="9525">
                   <a:solidFill>
                     <a:srgbClr val="000000"/>
                   </a:solidFill>
@@ -5254,7 +5247,7 @@
             </a:ln>
             <a:extLst>
               <a:ext uri="{91240B29-F687-4f45-9708-019B960494DF}">
-                <a14:hiddenLine xmlns:a14="http://schemas.microsoft.com/office/drawing/2010/main" xmlns="" w="9525">
+                <a14:hiddenLine xmlns="" xmlns:a14="http://schemas.microsoft.com/office/drawing/2010/main" w="9525">
                   <a:solidFill>
                     <a:srgbClr val="000000"/>
                   </a:solidFill>
@@ -5394,7 +5387,7 @@
           <a:p>
             <a:fld id="{4AAD347D-5ACD-4C99-B74B-A9C85AD731AF}" type="datetimeFigureOut">
               <a:rPr lang="en-US" smtClean="0"/>
-              <a:t>9/17/2021</a:t>
+              <a:t>9/18/2021</a:t>
             </a:fld>
             <a:endParaRPr lang="en-US" dirty="0"/>
           </a:p>
@@ -5671,7 +5664,7 @@
           <a:p>
             <a:fld id="{4AAD347D-5ACD-4C99-B74B-A9C85AD731AF}" type="datetimeFigureOut">
               <a:rPr lang="en-US" smtClean="0"/>
-              <a:t>9/17/2021</a:t>
+              <a:t>9/18/2021</a:t>
             </a:fld>
             <a:endParaRPr lang="en-US" dirty="0"/>
           </a:p>
@@ -5877,7 +5870,7 @@
           <a:p>
             <a:fld id="{4AAD347D-5ACD-4C99-B74B-A9C85AD731AF}" type="datetimeFigureOut">
               <a:rPr lang="en-US" smtClean="0"/>
-              <a:t>9/17/2021</a:t>
+              <a:t>9/18/2021</a:t>
             </a:fld>
             <a:endParaRPr lang="en-US" dirty="0"/>
           </a:p>
@@ -6150,7 +6143,7 @@
           <a:p>
             <a:fld id="{4AAD347D-5ACD-4C99-B74B-A9C85AD731AF}" type="datetimeFigureOut">
               <a:rPr lang="en-US" smtClean="0"/>
-              <a:t>9/17/2021</a:t>
+              <a:t>9/18/2021</a:t>
             </a:fld>
             <a:endParaRPr lang="en-US" dirty="0"/>
           </a:p>
@@ -6594,7 +6587,7 @@
           <a:p>
             <a:fld id="{4AAD347D-5ACD-4C99-B74B-A9C85AD731AF}" type="datetimeFigureOut">
               <a:rPr lang="en-US" smtClean="0"/>
-              <a:t>9/17/2021</a:t>
+              <a:t>9/18/2021</a:t>
             </a:fld>
             <a:endParaRPr lang="en-US" dirty="0"/>
           </a:p>
@@ -7150,7 +7143,7 @@
           <a:p>
             <a:fld id="{4AAD347D-5ACD-4C99-B74B-A9C85AD731AF}" type="datetimeFigureOut">
               <a:rPr lang="en-US" smtClean="0"/>
-              <a:t>9/17/2021</a:t>
+              <a:t>9/18/2021</a:t>
             </a:fld>
             <a:endParaRPr lang="en-US" dirty="0"/>
           </a:p>
@@ -7880,7 +7873,7 @@
           <a:p>
             <a:fld id="{4AAD347D-5ACD-4C99-B74B-A9C85AD731AF}" type="datetimeFigureOut">
               <a:rPr lang="en-US" smtClean="0"/>
-              <a:t>9/17/2021</a:t>
+              <a:t>9/18/2021</a:t>
             </a:fld>
             <a:endParaRPr lang="en-US" dirty="0"/>
           </a:p>
@@ -8060,7 +8053,7 @@
           <a:p>
             <a:fld id="{4509A250-FF31-4206-8172-F9D3106AACB1}" type="datetimeFigureOut">
               <a:rPr lang="en-US" smtClean="0"/>
-              <a:t>9/17/2021</a:t>
+              <a:t>9/18/2021</a:t>
             </a:fld>
             <a:endParaRPr lang="en-US" dirty="0"/>
           </a:p>
@@ -8250,7 +8243,7 @@
           <a:p>
             <a:fld id="{4509A250-FF31-4206-8172-F9D3106AACB1}" type="datetimeFigureOut">
               <a:rPr lang="en-US" smtClean="0"/>
-              <a:t>9/17/2021</a:t>
+              <a:t>9/18/2021</a:t>
             </a:fld>
             <a:endParaRPr lang="en-US" dirty="0"/>
           </a:p>
@@ -8797,7 +8790,7 @@
           <a:p>
             <a:fld id="{4509A250-FF31-4206-8172-F9D3106AACB1}" type="datetimeFigureOut">
               <a:rPr lang="en-US" smtClean="0"/>
-              <a:t>9/17/2021</a:t>
+              <a:t>9/18/2021</a:t>
             </a:fld>
             <a:endParaRPr lang="en-US" dirty="0"/>
           </a:p>
@@ -9057,7 +9050,7 @@
           <a:p>
             <a:fld id="{9796027F-7875-4030-9381-8BD8C4F21935}" type="datetimeFigureOut">
               <a:rPr lang="en-US" smtClean="0"/>
-              <a:t>9/17/2021</a:t>
+              <a:t>9/18/2021</a:t>
             </a:fld>
             <a:endParaRPr lang="en-US" dirty="0"/>
           </a:p>
@@ -9299,7 +9292,7 @@
           <a:p>
             <a:fld id="{9796027F-7875-4030-9381-8BD8C4F21935}" type="datetimeFigureOut">
               <a:rPr lang="en-US" smtClean="0"/>
-              <a:t>9/17/2021</a:t>
+              <a:t>9/18/2021</a:t>
             </a:fld>
             <a:endParaRPr lang="en-US" dirty="0"/>
           </a:p>
@@ -9690,7 +9683,7 @@
           <a:p>
             <a:fld id="{9796027F-7875-4030-9381-8BD8C4F21935}" type="datetimeFigureOut">
               <a:rPr lang="en-US" smtClean="0"/>
-              <a:t>9/17/2021</a:t>
+              <a:t>9/18/2021</a:t>
             </a:fld>
             <a:endParaRPr lang="en-US" dirty="0"/>
           </a:p>
@@ -9818,7 +9811,7 @@
           <a:p>
             <a:fld id="{4509A250-FF31-4206-8172-F9D3106AACB1}" type="datetimeFigureOut">
               <a:rPr lang="en-US" smtClean="0"/>
-              <a:t>9/17/2021</a:t>
+              <a:t>9/18/2021</a:t>
             </a:fld>
             <a:endParaRPr lang="en-US" dirty="0"/>
           </a:p>
@@ -9923,7 +9916,7 @@
           <a:p>
             <a:fld id="{4509A250-FF31-4206-8172-F9D3106AACB1}" type="datetimeFigureOut">
               <a:rPr lang="en-US" smtClean="0"/>
-              <a:t>9/17/2021</a:t>
+              <a:t>9/18/2021</a:t>
             </a:fld>
             <a:endParaRPr lang="en-US" dirty="0"/>
           </a:p>
@@ -10181,7 +10174,7 @@
           <a:p>
             <a:fld id="{4509A250-FF31-4206-8172-F9D3106AACB1}" type="datetimeFigureOut">
               <a:rPr lang="en-US" smtClean="0"/>
-              <a:t>9/17/2021</a:t>
+              <a:t>9/18/2021</a:t>
             </a:fld>
             <a:endParaRPr lang="en-US" dirty="0"/>
           </a:p>
@@ -10471,7 +10464,7 @@
           <a:p>
             <a:fld id="{4509A250-FF31-4206-8172-F9D3106AACB1}" type="datetimeFigureOut">
               <a:rPr lang="en-US" smtClean="0"/>
-              <a:t>9/17/2021</a:t>
+              <a:t>9/18/2021</a:t>
             </a:fld>
             <a:endParaRPr lang="en-US" dirty="0"/>
           </a:p>
@@ -10597,7 +10590,7 @@
           <a:noFill/>
           <a:extLst>
             <a:ext uri="{909E8E84-426E-40dd-AFC4-6F175D3DCCD1}">
-              <a14:hiddenFill xmlns:a14="http://schemas.microsoft.com/office/drawing/2010/main" xmlns="">
+              <a14:hiddenFill xmlns="" xmlns:a14="http://schemas.microsoft.com/office/drawing/2010/main">
                 <a:solidFill>
                   <a:srgbClr val="FFFFFF"/>
                 </a:solidFill>
@@ -10671,7 +10664,7 @@
               </a:ln>
               <a:extLst>
                 <a:ext uri="{91240B29-F687-4f45-9708-019B960494DF}">
-                  <a14:hiddenLine xmlns:a14="http://schemas.microsoft.com/office/drawing/2010/main" xmlns="" w="9525">
+                  <a14:hiddenLine xmlns="" xmlns:a14="http://schemas.microsoft.com/office/drawing/2010/main" w="9525">
                     <a:solidFill>
                       <a:srgbClr val="000000"/>
                     </a:solidFill>
@@ -10761,7 +10754,7 @@
               </a:ln>
               <a:extLst>
                 <a:ext uri="{91240B29-F687-4f45-9708-019B960494DF}">
-                  <a14:hiddenLine xmlns:a14="http://schemas.microsoft.com/office/drawing/2010/main" xmlns="" w="9525">
+                  <a14:hiddenLine xmlns="" xmlns:a14="http://schemas.microsoft.com/office/drawing/2010/main" w="9525">
                     <a:solidFill>
                       <a:srgbClr val="000000"/>
                     </a:solidFill>
@@ -10851,7 +10844,7 @@
               </a:ln>
               <a:extLst>
                 <a:ext uri="{91240B29-F687-4f45-9708-019B960494DF}">
-                  <a14:hiddenLine xmlns:a14="http://schemas.microsoft.com/office/drawing/2010/main" xmlns="" w="9525">
+                  <a14:hiddenLine xmlns="" xmlns:a14="http://schemas.microsoft.com/office/drawing/2010/main" w="9525">
                     <a:solidFill>
                       <a:srgbClr val="000000"/>
                     </a:solidFill>
@@ -10913,7 +10906,7 @@
               </a:ln>
               <a:extLst>
                 <a:ext uri="{91240B29-F687-4f45-9708-019B960494DF}">
-                  <a14:hiddenLine xmlns:a14="http://schemas.microsoft.com/office/drawing/2010/main" xmlns="" w="9525">
+                  <a14:hiddenLine xmlns="" xmlns:a14="http://schemas.microsoft.com/office/drawing/2010/main" w="9525">
                     <a:solidFill>
                       <a:srgbClr val="000000"/>
                     </a:solidFill>
@@ -11003,7 +10996,7 @@
               </a:ln>
               <a:extLst>
                 <a:ext uri="{91240B29-F687-4f45-9708-019B960494DF}">
-                  <a14:hiddenLine xmlns:a14="http://schemas.microsoft.com/office/drawing/2010/main" xmlns="" w="9525">
+                  <a14:hiddenLine xmlns="" xmlns:a14="http://schemas.microsoft.com/office/drawing/2010/main" w="9525">
                     <a:solidFill>
                       <a:srgbClr val="000000"/>
                     </a:solidFill>
@@ -11065,7 +11058,7 @@
               </a:ln>
               <a:extLst>
                 <a:ext uri="{91240B29-F687-4f45-9708-019B960494DF}">
-                  <a14:hiddenLine xmlns:a14="http://schemas.microsoft.com/office/drawing/2010/main" xmlns="" w="9525">
+                  <a14:hiddenLine xmlns="" xmlns:a14="http://schemas.microsoft.com/office/drawing/2010/main" w="9525">
                     <a:solidFill>
                       <a:srgbClr val="000000"/>
                     </a:solidFill>
@@ -11127,7 +11120,7 @@
               </a:ln>
               <a:extLst>
                 <a:ext uri="{91240B29-F687-4f45-9708-019B960494DF}">
-                  <a14:hiddenLine xmlns:a14="http://schemas.microsoft.com/office/drawing/2010/main" xmlns="" w="9525">
+                  <a14:hiddenLine xmlns="" xmlns:a14="http://schemas.microsoft.com/office/drawing/2010/main" w="9525">
                     <a:solidFill>
                       <a:srgbClr val="000000"/>
                     </a:solidFill>
@@ -11217,7 +11210,7 @@
               </a:ln>
               <a:extLst>
                 <a:ext uri="{91240B29-F687-4f45-9708-019B960494DF}">
-                  <a14:hiddenLine xmlns:a14="http://schemas.microsoft.com/office/drawing/2010/main" xmlns="" w="9525">
+                  <a14:hiddenLine xmlns="" xmlns:a14="http://schemas.microsoft.com/office/drawing/2010/main" w="9525">
                     <a:solidFill>
                       <a:srgbClr val="000000"/>
                     </a:solidFill>
@@ -11307,7 +11300,7 @@
               </a:ln>
               <a:extLst>
                 <a:ext uri="{91240B29-F687-4f45-9708-019B960494DF}">
-                  <a14:hiddenLine xmlns:a14="http://schemas.microsoft.com/office/drawing/2010/main" xmlns="" w="9525">
+                  <a14:hiddenLine xmlns="" xmlns:a14="http://schemas.microsoft.com/office/drawing/2010/main" w="9525">
                     <a:solidFill>
                       <a:srgbClr val="000000"/>
                     </a:solidFill>
@@ -11369,7 +11362,7 @@
               </a:ln>
               <a:extLst>
                 <a:ext uri="{91240B29-F687-4f45-9708-019B960494DF}">
-                  <a14:hiddenLine xmlns:a14="http://schemas.microsoft.com/office/drawing/2010/main" xmlns="" w="9525">
+                  <a14:hiddenLine xmlns="" xmlns:a14="http://schemas.microsoft.com/office/drawing/2010/main" w="9525">
                     <a:solidFill>
                       <a:srgbClr val="000000"/>
                     </a:solidFill>
@@ -11479,7 +11472,7 @@
               </a:ln>
               <a:extLst>
                 <a:ext uri="{91240B29-F687-4f45-9708-019B960494DF}">
-                  <a14:hiddenLine xmlns:a14="http://schemas.microsoft.com/office/drawing/2010/main" xmlns="" w="9525">
+                  <a14:hiddenLine xmlns="" xmlns:a14="http://schemas.microsoft.com/office/drawing/2010/main" w="9525">
                     <a:solidFill>
                       <a:srgbClr val="000000"/>
                     </a:solidFill>
@@ -11563,7 +11556,7 @@
               </a:ln>
               <a:extLst>
                 <a:ext uri="{91240B29-F687-4f45-9708-019B960494DF}">
-                  <a14:hiddenLine xmlns:a14="http://schemas.microsoft.com/office/drawing/2010/main" xmlns="" w="9525">
+                  <a14:hiddenLine xmlns="" xmlns:a14="http://schemas.microsoft.com/office/drawing/2010/main" w="9525">
                     <a:solidFill>
                       <a:srgbClr val="000000"/>
                     </a:solidFill>
@@ -11625,7 +11618,7 @@
               </a:ln>
               <a:extLst>
                 <a:ext uri="{91240B29-F687-4f45-9708-019B960494DF}">
-                  <a14:hiddenLine xmlns:a14="http://schemas.microsoft.com/office/drawing/2010/main" xmlns="" w="9525">
+                  <a14:hiddenLine xmlns="" xmlns:a14="http://schemas.microsoft.com/office/drawing/2010/main" w="9525">
                     <a:solidFill>
                       <a:srgbClr val="000000"/>
                     </a:solidFill>
@@ -11687,7 +11680,7 @@
               </a:ln>
               <a:extLst>
                 <a:ext uri="{91240B29-F687-4f45-9708-019B960494DF}">
-                  <a14:hiddenLine xmlns:a14="http://schemas.microsoft.com/office/drawing/2010/main" xmlns="" w="9525">
+                  <a14:hiddenLine xmlns="" xmlns:a14="http://schemas.microsoft.com/office/drawing/2010/main" w="9525">
                     <a:solidFill>
                       <a:srgbClr val="000000"/>
                     </a:solidFill>
@@ -11777,7 +11770,7 @@
               </a:ln>
               <a:extLst>
                 <a:ext uri="{91240B29-F687-4f45-9708-019B960494DF}">
-                  <a14:hiddenLine xmlns:a14="http://schemas.microsoft.com/office/drawing/2010/main" xmlns="" w="9525">
+                  <a14:hiddenLine xmlns="" xmlns:a14="http://schemas.microsoft.com/office/drawing/2010/main" w="9525">
                     <a:solidFill>
                       <a:srgbClr val="000000"/>
                     </a:solidFill>
@@ -11811,7 +11804,7 @@
               </a:ln>
               <a:extLst>
                 <a:ext uri="{91240B29-F687-4f45-9708-019B960494DF}">
-                  <a14:hiddenLine xmlns:a14="http://schemas.microsoft.com/office/drawing/2010/main" xmlns="" w="9525">
+                  <a14:hiddenLine xmlns="" xmlns:a14="http://schemas.microsoft.com/office/drawing/2010/main" w="9525">
                     <a:solidFill>
                       <a:srgbClr val="000000"/>
                     </a:solidFill>
@@ -11876,7 +11869,7 @@
               </a:ln>
               <a:extLst>
                 <a:ext uri="{91240B29-F687-4f45-9708-019B960494DF}">
-                  <a14:hiddenLine xmlns:a14="http://schemas.microsoft.com/office/drawing/2010/main" xmlns="" w="9525">
+                  <a14:hiddenLine xmlns="" xmlns:a14="http://schemas.microsoft.com/office/drawing/2010/main" w="9525">
                     <a:solidFill>
                       <a:srgbClr val="000000"/>
                     </a:solidFill>
@@ -11966,7 +11959,7 @@
               </a:ln>
               <a:extLst>
                 <a:ext uri="{91240B29-F687-4f45-9708-019B960494DF}">
-                  <a14:hiddenLine xmlns:a14="http://schemas.microsoft.com/office/drawing/2010/main" xmlns="" w="9525">
+                  <a14:hiddenLine xmlns="" xmlns:a14="http://schemas.microsoft.com/office/drawing/2010/main" w="9525">
                     <a:solidFill>
                       <a:srgbClr val="000000"/>
                     </a:solidFill>
@@ -12028,7 +12021,7 @@
               </a:ln>
               <a:extLst>
                 <a:ext uri="{91240B29-F687-4f45-9708-019B960494DF}">
-                  <a14:hiddenLine xmlns:a14="http://schemas.microsoft.com/office/drawing/2010/main" xmlns="" w="9525">
+                  <a14:hiddenLine xmlns="" xmlns:a14="http://schemas.microsoft.com/office/drawing/2010/main" w="9525">
                     <a:solidFill>
                       <a:srgbClr val="000000"/>
                     </a:solidFill>
@@ -12118,7 +12111,7 @@
               </a:ln>
               <a:extLst>
                 <a:ext uri="{91240B29-F687-4f45-9708-019B960494DF}">
-                  <a14:hiddenLine xmlns:a14="http://schemas.microsoft.com/office/drawing/2010/main" xmlns="" w="9525">
+                  <a14:hiddenLine xmlns="" xmlns:a14="http://schemas.microsoft.com/office/drawing/2010/main" w="9525">
                     <a:solidFill>
                       <a:srgbClr val="000000"/>
                     </a:solidFill>
@@ -12183,7 +12176,7 @@
               </a:ln>
               <a:extLst>
                 <a:ext uri="{91240B29-F687-4f45-9708-019B960494DF}">
-                  <a14:hiddenLine xmlns:a14="http://schemas.microsoft.com/office/drawing/2010/main" xmlns="" w="9525">
+                  <a14:hiddenLine xmlns="" xmlns:a14="http://schemas.microsoft.com/office/drawing/2010/main" w="9525">
                     <a:solidFill>
                       <a:srgbClr val="000000"/>
                     </a:solidFill>
@@ -12245,7 +12238,7 @@
               </a:ln>
               <a:extLst>
                 <a:ext uri="{91240B29-F687-4f45-9708-019B960494DF}">
-                  <a14:hiddenLine xmlns:a14="http://schemas.microsoft.com/office/drawing/2010/main" xmlns="" w="9525">
+                  <a14:hiddenLine xmlns="" xmlns:a14="http://schemas.microsoft.com/office/drawing/2010/main" w="9525">
                     <a:solidFill>
                       <a:srgbClr val="000000"/>
                     </a:solidFill>
@@ -12335,7 +12328,7 @@
               </a:ln>
               <a:extLst>
                 <a:ext uri="{91240B29-F687-4f45-9708-019B960494DF}">
-                  <a14:hiddenLine xmlns:a14="http://schemas.microsoft.com/office/drawing/2010/main" xmlns="" w="9525">
+                  <a14:hiddenLine xmlns="" xmlns:a14="http://schemas.microsoft.com/office/drawing/2010/main" w="9525">
                     <a:solidFill>
                       <a:srgbClr val="000000"/>
                     </a:solidFill>
@@ -12425,7 +12418,7 @@
               </a:ln>
               <a:extLst>
                 <a:ext uri="{91240B29-F687-4f45-9708-019B960494DF}">
-                  <a14:hiddenLine xmlns:a14="http://schemas.microsoft.com/office/drawing/2010/main" xmlns="" w="9525">
+                  <a14:hiddenLine xmlns="" xmlns:a14="http://schemas.microsoft.com/office/drawing/2010/main" w="9525">
                     <a:solidFill>
                       <a:srgbClr val="000000"/>
                     </a:solidFill>
@@ -12490,7 +12483,7 @@
               </a:ln>
               <a:extLst>
                 <a:ext uri="{91240B29-F687-4f45-9708-019B960494DF}">
-                  <a14:hiddenLine xmlns:a14="http://schemas.microsoft.com/office/drawing/2010/main" xmlns="" w="9525">
+                  <a14:hiddenLine xmlns="" xmlns:a14="http://schemas.microsoft.com/office/drawing/2010/main" w="9525">
                     <a:solidFill>
                       <a:srgbClr val="000000"/>
                     </a:solidFill>
@@ -12610,7 +12603,7 @@
               </a:ln>
               <a:extLst>
                 <a:ext uri="{91240B29-F687-4f45-9708-019B960494DF}">
-                  <a14:hiddenLine xmlns:a14="http://schemas.microsoft.com/office/drawing/2010/main" xmlns="" w="9525">
+                  <a14:hiddenLine xmlns="" xmlns:a14="http://schemas.microsoft.com/office/drawing/2010/main" w="9525">
                     <a:solidFill>
                       <a:srgbClr val="000000"/>
                     </a:solidFill>
@@ -12708,7 +12701,7 @@
               </a:ln>
               <a:extLst>
                 <a:ext uri="{91240B29-F687-4f45-9708-019B960494DF}">
-                  <a14:hiddenLine xmlns:a14="http://schemas.microsoft.com/office/drawing/2010/main" xmlns="" w="9525">
+                  <a14:hiddenLine xmlns="" xmlns:a14="http://schemas.microsoft.com/office/drawing/2010/main" w="9525">
                     <a:solidFill>
                       <a:srgbClr val="000000"/>
                     </a:solidFill>
@@ -12823,7 +12816,7 @@
               </a:ln>
               <a:extLst>
                 <a:ext uri="{91240B29-F687-4f45-9708-019B960494DF}">
-                  <a14:hiddenLine xmlns:a14="http://schemas.microsoft.com/office/drawing/2010/main" xmlns="" w="9525">
+                  <a14:hiddenLine xmlns="" xmlns:a14="http://schemas.microsoft.com/office/drawing/2010/main" w="9525">
                     <a:solidFill>
                       <a:srgbClr val="000000"/>
                     </a:solidFill>
@@ -12913,7 +12906,7 @@
               </a:ln>
               <a:extLst>
                 <a:ext uri="{91240B29-F687-4f45-9708-019B960494DF}">
-                  <a14:hiddenLine xmlns:a14="http://schemas.microsoft.com/office/drawing/2010/main" xmlns="" w="9525">
+                  <a14:hiddenLine xmlns="" xmlns:a14="http://schemas.microsoft.com/office/drawing/2010/main" w="9525">
                     <a:solidFill>
                       <a:srgbClr val="000000"/>
                     </a:solidFill>
@@ -12978,7 +12971,7 @@
               </a:ln>
               <a:extLst>
                 <a:ext uri="{91240B29-F687-4f45-9708-019B960494DF}">
-                  <a14:hiddenLine xmlns:a14="http://schemas.microsoft.com/office/drawing/2010/main" xmlns="" w="9525">
+                  <a14:hiddenLine xmlns="" xmlns:a14="http://schemas.microsoft.com/office/drawing/2010/main" w="9525">
                     <a:solidFill>
                       <a:srgbClr val="000000"/>
                     </a:solidFill>
@@ -13068,7 +13061,7 @@
               </a:ln>
               <a:extLst>
                 <a:ext uri="{91240B29-F687-4f45-9708-019B960494DF}">
-                  <a14:hiddenLine xmlns:a14="http://schemas.microsoft.com/office/drawing/2010/main" xmlns="" w="9525">
+                  <a14:hiddenLine xmlns="" xmlns:a14="http://schemas.microsoft.com/office/drawing/2010/main" w="9525">
                     <a:solidFill>
                       <a:srgbClr val="000000"/>
                     </a:solidFill>
@@ -13136,7 +13129,7 @@
               </a:ln>
               <a:extLst>
                 <a:ext uri="{91240B29-F687-4f45-9708-019B960494DF}">
-                  <a14:hiddenLine xmlns:a14="http://schemas.microsoft.com/office/drawing/2010/main" xmlns="" w="9525">
+                  <a14:hiddenLine xmlns="" xmlns:a14="http://schemas.microsoft.com/office/drawing/2010/main" w="9525">
                     <a:solidFill>
                       <a:srgbClr val="000000"/>
                     </a:solidFill>
@@ -13226,7 +13219,7 @@
               </a:ln>
               <a:extLst>
                 <a:ext uri="{91240B29-F687-4f45-9708-019B960494DF}">
-                  <a14:hiddenLine xmlns:a14="http://schemas.microsoft.com/office/drawing/2010/main" xmlns="" w="9525">
+                  <a14:hiddenLine xmlns="" xmlns:a14="http://schemas.microsoft.com/office/drawing/2010/main" w="9525">
                     <a:solidFill>
                       <a:srgbClr val="000000"/>
                     </a:solidFill>
@@ -13294,7 +13287,7 @@
               </a:ln>
               <a:extLst>
                 <a:ext uri="{91240B29-F687-4f45-9708-019B960494DF}">
-                  <a14:hiddenLine xmlns:a14="http://schemas.microsoft.com/office/drawing/2010/main" xmlns="" w="9525">
+                  <a14:hiddenLine xmlns="" xmlns:a14="http://schemas.microsoft.com/office/drawing/2010/main" w="9525">
                     <a:solidFill>
                       <a:srgbClr val="000000"/>
                     </a:solidFill>
@@ -13384,7 +13377,7 @@
               </a:ln>
               <a:extLst>
                 <a:ext uri="{91240B29-F687-4f45-9708-019B960494DF}">
-                  <a14:hiddenLine xmlns:a14="http://schemas.microsoft.com/office/drawing/2010/main" xmlns="" w="9525">
+                  <a14:hiddenLine xmlns="" xmlns:a14="http://schemas.microsoft.com/office/drawing/2010/main" w="9525">
                     <a:solidFill>
                       <a:srgbClr val="000000"/>
                     </a:solidFill>
@@ -13418,7 +13411,7 @@
               </a:ln>
               <a:extLst>
                 <a:ext uri="{91240B29-F687-4f45-9708-019B960494DF}">
-                  <a14:hiddenLine xmlns:a14="http://schemas.microsoft.com/office/drawing/2010/main" xmlns="" w="9525">
+                  <a14:hiddenLine xmlns="" xmlns:a14="http://schemas.microsoft.com/office/drawing/2010/main" w="9525">
                     <a:solidFill>
                       <a:srgbClr val="000000"/>
                     </a:solidFill>
@@ -13558,7 +13551,7 @@
           <a:p>
             <a:fld id="{4AAD347D-5ACD-4C99-B74B-A9C85AD731AF}" type="datetimeFigureOut">
               <a:rPr lang="en-US" smtClean="0"/>
-              <a:t>9/17/2021</a:t>
+              <a:t>9/18/2021</a:t>
             </a:fld>
             <a:endParaRPr lang="en-US" dirty="0"/>
           </a:p>
@@ -14114,6 +14107,36 @@
           <a:chExt cx="0" cy="0"/>
         </a:xfrm>
       </p:grpSpPr>
+      <p:pic>
+        <p:nvPicPr>
+          <p:cNvPr id="3" name="Picture 2">
+            <a:extLst>
+              <a:ext uri="{FF2B5EF4-FFF2-40B4-BE49-F238E27FC236}">
+                <a16:creationId xmlns:a16="http://schemas.microsoft.com/office/drawing/2014/main" id="{348EDC67-C587-4624-A268-D3FCD0AD9118}"/>
+              </a:ext>
+            </a:extLst>
+          </p:cNvPr>
+          <p:cNvPicPr>
+            <a:picLocks noChangeAspect="1"/>
+          </p:cNvPicPr>
+          <p:nvPr/>
+        </p:nvPicPr>
+        <p:blipFill>
+          <a:blip r:embed="rId3"/>
+          <a:stretch>
+            <a:fillRect/>
+          </a:stretch>
+        </p:blipFill>
+        <p:spPr>
+          <a:xfrm>
+            <a:off x="2658662" y="2571750"/>
+            <a:ext cx="3826675" cy="2249267"/>
+          </a:xfrm>
+          <a:prstGeom prst="rect">
+            <a:avLst/>
+          </a:prstGeom>
+        </p:spPr>
+      </p:pic>
       <p:sp>
         <p:nvSpPr>
           <p:cNvPr id="72" name="Google Shape;72;p14"/>

--- a/SurveiliaPresentationPrac/SURVEILIAPracticePresentationV2.pptx
+++ b/SurveiliaPresentationPrac/SURVEILIAPracticePresentationV2.pptx
@@ -5,7 +5,7 @@
     <p:sldMasterId id="2147483723" r:id="rId1"/>
   </p:sldMasterIdLst>
   <p:notesMasterIdLst>
-    <p:notesMasterId r:id="rId7"/>
+    <p:notesMasterId r:id="rId8"/>
   </p:notesMasterIdLst>
   <p:sldIdLst>
     <p:sldId id="256" r:id="rId2"/>
@@ -13,27 +13,35 @@
     <p:sldId id="258" r:id="rId4"/>
     <p:sldId id="259" r:id="rId5"/>
     <p:sldId id="260" r:id="rId6"/>
+    <p:sldId id="261" r:id="rId7"/>
   </p:sldIdLst>
   <p:sldSz cx="9144000" cy="5143500" type="screen16x9"/>
   <p:notesSz cx="6858000" cy="9144000"/>
   <p:embeddedFontLst>
     <p:embeddedFont>
       <p:font typeface="Calibri" panose="020F0502020204030204" pitchFamily="34" charset="0"/>
-      <p:regular r:id="rId8"/>
-      <p:bold r:id="rId9"/>
-      <p:italic r:id="rId10"/>
-      <p:boldItalic r:id="rId11"/>
+      <p:regular r:id="rId9"/>
+      <p:bold r:id="rId10"/>
+      <p:italic r:id="rId11"/>
+      <p:boldItalic r:id="rId12"/>
     </p:embeddedFont>
     <p:embeddedFont>
       <p:font typeface="Pathway Gothic One" panose="020B0604020202020204" charset="0"/>
-      <p:regular r:id="rId12"/>
+      <p:regular r:id="rId13"/>
+    </p:embeddedFont>
+    <p:embeddedFont>
+      <p:font typeface="Trebuchet MS" panose="020B0603020202020204" pitchFamily="34" charset="0"/>
+      <p:regular r:id="rId14"/>
+      <p:bold r:id="rId15"/>
+      <p:italic r:id="rId16"/>
+      <p:boldItalic r:id="rId17"/>
     </p:embeddedFont>
     <p:embeddedFont>
       <p:font typeface="Tw Cen MT" panose="020B0602020104020603" pitchFamily="34" charset="0"/>
-      <p:regular r:id="rId13"/>
-      <p:bold r:id="rId14"/>
-      <p:italic r:id="rId15"/>
-      <p:boldItalic r:id="rId16"/>
+      <p:regular r:id="rId18"/>
+      <p:bold r:id="rId19"/>
+      <p:italic r:id="rId20"/>
+      <p:boldItalic r:id="rId21"/>
     </p:embeddedFont>
   </p:embeddedFontLst>
   <p:defaultTextStyle>
@@ -1161,7 +1169,7 @@
           <a:noFill/>
           <a:extLst>
             <a:ext uri="{909E8E84-426E-40dd-AFC4-6F175D3DCCD1}">
-              <a14:hiddenFill xmlns="" xmlns:a14="http://schemas.microsoft.com/office/drawing/2010/main">
+              <a14:hiddenFill xmlns:a14="http://schemas.microsoft.com/office/drawing/2010/main" xmlns="">
                 <a:solidFill>
                   <a:srgbClr val="FFFFFF"/>
                 </a:solidFill>
@@ -1221,7 +1229,7 @@
             </a:ln>
             <a:extLst>
               <a:ext uri="{91240B29-F687-4f45-9708-019B960494DF}">
-                <a14:hiddenLine xmlns="" xmlns:a14="http://schemas.microsoft.com/office/drawing/2010/main" w="9525">
+                <a14:hiddenLine xmlns:a14="http://schemas.microsoft.com/office/drawing/2010/main" xmlns="" w="9525">
                   <a:solidFill>
                     <a:srgbClr val="000000"/>
                   </a:solidFill>
@@ -1311,7 +1319,7 @@
             </a:ln>
             <a:extLst>
               <a:ext uri="{91240B29-F687-4f45-9708-019B960494DF}">
-                <a14:hiddenLine xmlns="" xmlns:a14="http://schemas.microsoft.com/office/drawing/2010/main" w="9525">
+                <a14:hiddenLine xmlns:a14="http://schemas.microsoft.com/office/drawing/2010/main" xmlns="" w="9525">
                   <a:solidFill>
                     <a:srgbClr val="000000"/>
                   </a:solidFill>
@@ -1401,7 +1409,7 @@
             </a:ln>
             <a:extLst>
               <a:ext uri="{91240B29-F687-4f45-9708-019B960494DF}">
-                <a14:hiddenLine xmlns="" xmlns:a14="http://schemas.microsoft.com/office/drawing/2010/main" w="9525">
+                <a14:hiddenLine xmlns:a14="http://schemas.microsoft.com/office/drawing/2010/main" xmlns="" w="9525">
                   <a:solidFill>
                     <a:srgbClr val="000000"/>
                   </a:solidFill>
@@ -1435,7 +1443,7 @@
             </a:ln>
             <a:extLst>
               <a:ext uri="{91240B29-F687-4f45-9708-019B960494DF}">
-                <a14:hiddenLine xmlns="" xmlns:a14="http://schemas.microsoft.com/office/drawing/2010/main" w="9525">
+                <a14:hiddenLine xmlns:a14="http://schemas.microsoft.com/office/drawing/2010/main" xmlns="" w="9525">
                   <a:solidFill>
                     <a:srgbClr val="000000"/>
                   </a:solidFill>
@@ -1525,7 +1533,7 @@
             </a:ln>
             <a:extLst>
               <a:ext uri="{91240B29-F687-4f45-9708-019B960494DF}">
-                <a14:hiddenLine xmlns="" xmlns:a14="http://schemas.microsoft.com/office/drawing/2010/main" w="9525">
+                <a14:hiddenLine xmlns:a14="http://schemas.microsoft.com/office/drawing/2010/main" xmlns="" w="9525">
                   <a:solidFill>
                     <a:srgbClr val="000000"/>
                   </a:solidFill>
@@ -1587,7 +1595,7 @@
             </a:ln>
             <a:extLst>
               <a:ext uri="{91240B29-F687-4f45-9708-019B960494DF}">
-                <a14:hiddenLine xmlns="" xmlns:a14="http://schemas.microsoft.com/office/drawing/2010/main" w="9525">
+                <a14:hiddenLine xmlns:a14="http://schemas.microsoft.com/office/drawing/2010/main" xmlns="" w="9525">
                   <a:solidFill>
                     <a:srgbClr val="000000"/>
                   </a:solidFill>
@@ -1649,7 +1657,7 @@
             </a:ln>
             <a:extLst>
               <a:ext uri="{91240B29-F687-4f45-9708-019B960494DF}">
-                <a14:hiddenLine xmlns="" xmlns:a14="http://schemas.microsoft.com/office/drawing/2010/main" w="9525">
+                <a14:hiddenLine xmlns:a14="http://schemas.microsoft.com/office/drawing/2010/main" xmlns="" w="9525">
                   <a:solidFill>
                     <a:srgbClr val="000000"/>
                   </a:solidFill>
@@ -1739,7 +1747,7 @@
             </a:ln>
             <a:extLst>
               <a:ext uri="{91240B29-F687-4f45-9708-019B960494DF}">
-                <a14:hiddenLine xmlns="" xmlns:a14="http://schemas.microsoft.com/office/drawing/2010/main" w="9525">
+                <a14:hiddenLine xmlns:a14="http://schemas.microsoft.com/office/drawing/2010/main" xmlns="" w="9525">
                   <a:solidFill>
                     <a:srgbClr val="000000"/>
                   </a:solidFill>
@@ -1801,7 +1809,7 @@
             </a:ln>
             <a:extLst>
               <a:ext uri="{91240B29-F687-4f45-9708-019B960494DF}">
-                <a14:hiddenLine xmlns="" xmlns:a14="http://schemas.microsoft.com/office/drawing/2010/main" w="9525">
+                <a14:hiddenLine xmlns:a14="http://schemas.microsoft.com/office/drawing/2010/main" xmlns="" w="9525">
                   <a:solidFill>
                     <a:srgbClr val="000000"/>
                   </a:solidFill>
@@ -1863,7 +1871,7 @@
             </a:ln>
             <a:extLst>
               <a:ext uri="{91240B29-F687-4f45-9708-019B960494DF}">
-                <a14:hiddenLine xmlns="" xmlns:a14="http://schemas.microsoft.com/office/drawing/2010/main" w="9525">
+                <a14:hiddenLine xmlns:a14="http://schemas.microsoft.com/office/drawing/2010/main" xmlns="" w="9525">
                   <a:solidFill>
                     <a:srgbClr val="000000"/>
                   </a:solidFill>
@@ -1953,7 +1961,7 @@
             </a:ln>
             <a:extLst>
               <a:ext uri="{91240B29-F687-4f45-9708-019B960494DF}">
-                <a14:hiddenLine xmlns="" xmlns:a14="http://schemas.microsoft.com/office/drawing/2010/main" w="9525">
+                <a14:hiddenLine xmlns:a14="http://schemas.microsoft.com/office/drawing/2010/main" xmlns="" w="9525">
                   <a:solidFill>
                     <a:srgbClr val="000000"/>
                   </a:solidFill>
@@ -2043,7 +2051,7 @@
             </a:ln>
             <a:extLst>
               <a:ext uri="{91240B29-F687-4f45-9708-019B960494DF}">
-                <a14:hiddenLine xmlns="" xmlns:a14="http://schemas.microsoft.com/office/drawing/2010/main" w="9525">
+                <a14:hiddenLine xmlns:a14="http://schemas.microsoft.com/office/drawing/2010/main" xmlns="" w="9525">
                   <a:solidFill>
                     <a:srgbClr val="000000"/>
                   </a:solidFill>
@@ -2105,7 +2113,7 @@
             </a:ln>
             <a:extLst>
               <a:ext uri="{91240B29-F687-4f45-9708-019B960494DF}">
-                <a14:hiddenLine xmlns="" xmlns:a14="http://schemas.microsoft.com/office/drawing/2010/main" w="9525">
+                <a14:hiddenLine xmlns:a14="http://schemas.microsoft.com/office/drawing/2010/main" xmlns="" w="9525">
                   <a:solidFill>
                     <a:srgbClr val="000000"/>
                   </a:solidFill>
@@ -2215,7 +2223,7 @@
             </a:ln>
             <a:extLst>
               <a:ext uri="{91240B29-F687-4f45-9708-019B960494DF}">
-                <a14:hiddenLine xmlns="" xmlns:a14="http://schemas.microsoft.com/office/drawing/2010/main" w="9525">
+                <a14:hiddenLine xmlns:a14="http://schemas.microsoft.com/office/drawing/2010/main" xmlns="" w="9525">
                   <a:solidFill>
                     <a:srgbClr val="000000"/>
                   </a:solidFill>
@@ -2277,7 +2285,7 @@
             </a:ln>
             <a:extLst>
               <a:ext uri="{91240B29-F687-4f45-9708-019B960494DF}">
-                <a14:hiddenLine xmlns="" xmlns:a14="http://schemas.microsoft.com/office/drawing/2010/main" w="9525">
+                <a14:hiddenLine xmlns:a14="http://schemas.microsoft.com/office/drawing/2010/main" xmlns="" w="9525">
                   <a:solidFill>
                     <a:srgbClr val="000000"/>
                   </a:solidFill>
@@ -2367,7 +2375,7 @@
             </a:ln>
             <a:extLst>
               <a:ext uri="{91240B29-F687-4f45-9708-019B960494DF}">
-                <a14:hiddenLine xmlns="" xmlns:a14="http://schemas.microsoft.com/office/drawing/2010/main" w="9525">
+                <a14:hiddenLine xmlns:a14="http://schemas.microsoft.com/office/drawing/2010/main" xmlns="" w="9525">
                   <a:solidFill>
                     <a:srgbClr val="000000"/>
                   </a:solidFill>
@@ -2457,7 +2465,7 @@
             </a:ln>
             <a:extLst>
               <a:ext uri="{91240B29-F687-4f45-9708-019B960494DF}">
-                <a14:hiddenLine xmlns="" xmlns:a14="http://schemas.microsoft.com/office/drawing/2010/main" w="9525">
+                <a14:hiddenLine xmlns:a14="http://schemas.microsoft.com/office/drawing/2010/main" xmlns="" w="9525">
                   <a:solidFill>
                     <a:srgbClr val="000000"/>
                   </a:solidFill>
@@ -2519,7 +2527,7 @@
             </a:ln>
             <a:extLst>
               <a:ext uri="{91240B29-F687-4f45-9708-019B960494DF}">
-                <a14:hiddenLine xmlns="" xmlns:a14="http://schemas.microsoft.com/office/drawing/2010/main" w="9525">
+                <a14:hiddenLine xmlns:a14="http://schemas.microsoft.com/office/drawing/2010/main" xmlns="" w="9525">
                   <a:solidFill>
                     <a:srgbClr val="000000"/>
                   </a:solidFill>
@@ -2609,7 +2617,7 @@
             </a:ln>
             <a:extLst>
               <a:ext uri="{91240B29-F687-4f45-9708-019B960494DF}">
-                <a14:hiddenLine xmlns="" xmlns:a14="http://schemas.microsoft.com/office/drawing/2010/main" w="9525">
+                <a14:hiddenLine xmlns:a14="http://schemas.microsoft.com/office/drawing/2010/main" xmlns="" w="9525">
                   <a:solidFill>
                     <a:srgbClr val="000000"/>
                   </a:solidFill>
@@ -2699,7 +2707,7 @@
             </a:ln>
             <a:extLst>
               <a:ext uri="{91240B29-F687-4f45-9708-019B960494DF}">
-                <a14:hiddenLine xmlns="" xmlns:a14="http://schemas.microsoft.com/office/drawing/2010/main" w="9525">
+                <a14:hiddenLine xmlns:a14="http://schemas.microsoft.com/office/drawing/2010/main" xmlns="" w="9525">
                   <a:solidFill>
                     <a:srgbClr val="000000"/>
                   </a:solidFill>
@@ -2755,7 +2763,7 @@
             </a:ln>
             <a:extLst>
               <a:ext uri="{91240B29-F687-4f45-9708-019B960494DF}">
-                <a14:hiddenLine xmlns="" xmlns:a14="http://schemas.microsoft.com/office/drawing/2010/main" w="9525">
+                <a14:hiddenLine xmlns:a14="http://schemas.microsoft.com/office/drawing/2010/main" xmlns="" w="9525">
                   <a:solidFill>
                     <a:srgbClr val="000000"/>
                   </a:solidFill>
@@ -2845,7 +2853,7 @@
             </a:ln>
             <a:extLst>
               <a:ext uri="{91240B29-F687-4f45-9708-019B960494DF}">
-                <a14:hiddenLine xmlns="" xmlns:a14="http://schemas.microsoft.com/office/drawing/2010/main" w="9525">
+                <a14:hiddenLine xmlns:a14="http://schemas.microsoft.com/office/drawing/2010/main" xmlns="" w="9525">
                   <a:solidFill>
                     <a:srgbClr val="000000"/>
                   </a:solidFill>
@@ -2901,7 +2909,7 @@
             </a:ln>
             <a:extLst>
               <a:ext uri="{91240B29-F687-4f45-9708-019B960494DF}">
-                <a14:hiddenLine xmlns="" xmlns:a14="http://schemas.microsoft.com/office/drawing/2010/main" w="9525">
+                <a14:hiddenLine xmlns:a14="http://schemas.microsoft.com/office/drawing/2010/main" xmlns="" w="9525">
                   <a:solidFill>
                     <a:srgbClr val="000000"/>
                   </a:solidFill>
@@ -2991,7 +2999,7 @@
             </a:ln>
             <a:extLst>
               <a:ext uri="{91240B29-F687-4f45-9708-019B960494DF}">
-                <a14:hiddenLine xmlns="" xmlns:a14="http://schemas.microsoft.com/office/drawing/2010/main" w="9525">
+                <a14:hiddenLine xmlns:a14="http://schemas.microsoft.com/office/drawing/2010/main" xmlns="" w="9525">
                   <a:solidFill>
                     <a:srgbClr val="000000"/>
                   </a:solidFill>
@@ -3059,7 +3067,7 @@
             </a:ln>
             <a:extLst>
               <a:ext uri="{91240B29-F687-4f45-9708-019B960494DF}">
-                <a14:hiddenLine xmlns="" xmlns:a14="http://schemas.microsoft.com/office/drawing/2010/main" w="9525">
+                <a14:hiddenLine xmlns:a14="http://schemas.microsoft.com/office/drawing/2010/main" xmlns="" w="9525">
                   <a:solidFill>
                     <a:srgbClr val="000000"/>
                   </a:solidFill>
@@ -3149,7 +3157,7 @@
             </a:ln>
             <a:extLst>
               <a:ext uri="{91240B29-F687-4f45-9708-019B960494DF}">
-                <a14:hiddenLine xmlns="" xmlns:a14="http://schemas.microsoft.com/office/drawing/2010/main" w="9525">
+                <a14:hiddenLine xmlns:a14="http://schemas.microsoft.com/office/drawing/2010/main" xmlns="" w="9525">
                   <a:solidFill>
                     <a:srgbClr val="000000"/>
                   </a:solidFill>
@@ -3217,7 +3225,7 @@
             </a:ln>
             <a:extLst>
               <a:ext uri="{91240B29-F687-4f45-9708-019B960494DF}">
-                <a14:hiddenLine xmlns="" xmlns:a14="http://schemas.microsoft.com/office/drawing/2010/main" w="9525">
+                <a14:hiddenLine xmlns:a14="http://schemas.microsoft.com/office/drawing/2010/main" xmlns="" w="9525">
                   <a:solidFill>
                     <a:srgbClr val="000000"/>
                   </a:solidFill>
@@ -3307,7 +3315,7 @@
             </a:ln>
             <a:extLst>
               <a:ext uri="{91240B29-F687-4f45-9708-019B960494DF}">
-                <a14:hiddenLine xmlns="" xmlns:a14="http://schemas.microsoft.com/office/drawing/2010/main" w="9525">
+                <a14:hiddenLine xmlns:a14="http://schemas.microsoft.com/office/drawing/2010/main" xmlns="" w="9525">
                   <a:solidFill>
                     <a:srgbClr val="000000"/>
                   </a:solidFill>
@@ -3341,7 +3349,7 @@
             </a:ln>
             <a:extLst>
               <a:ext uri="{91240B29-F687-4f45-9708-019B960494DF}">
-                <a14:hiddenLine xmlns="" xmlns:a14="http://schemas.microsoft.com/office/drawing/2010/main" w="9525">
+                <a14:hiddenLine xmlns:a14="http://schemas.microsoft.com/office/drawing/2010/main" xmlns="" w="9525">
                   <a:solidFill>
                     <a:srgbClr val="000000"/>
                   </a:solidFill>
@@ -3431,7 +3439,7 @@
             </a:ln>
             <a:extLst>
               <a:ext uri="{91240B29-F687-4f45-9708-019B960494DF}">
-                <a14:hiddenLine xmlns="" xmlns:a14="http://schemas.microsoft.com/office/drawing/2010/main" w="9525">
+                <a14:hiddenLine xmlns:a14="http://schemas.microsoft.com/office/drawing/2010/main" xmlns="" w="9525">
                   <a:solidFill>
                     <a:srgbClr val="000000"/>
                   </a:solidFill>
@@ -3493,7 +3501,7 @@
             </a:ln>
             <a:extLst>
               <a:ext uri="{91240B29-F687-4f45-9708-019B960494DF}">
-                <a14:hiddenLine xmlns="" xmlns:a14="http://schemas.microsoft.com/office/drawing/2010/main" w="9525">
+                <a14:hiddenLine xmlns:a14="http://schemas.microsoft.com/office/drawing/2010/main" xmlns="" w="9525">
                   <a:solidFill>
                     <a:srgbClr val="000000"/>
                   </a:solidFill>
@@ -3555,7 +3563,7 @@
             </a:ln>
             <a:extLst>
               <a:ext uri="{91240B29-F687-4f45-9708-019B960494DF}">
-                <a14:hiddenLine xmlns="" xmlns:a14="http://schemas.microsoft.com/office/drawing/2010/main" w="9525">
+                <a14:hiddenLine xmlns:a14="http://schemas.microsoft.com/office/drawing/2010/main" xmlns="" w="9525">
                   <a:solidFill>
                     <a:srgbClr val="000000"/>
                   </a:solidFill>
@@ -3645,7 +3653,7 @@
             </a:ln>
             <a:extLst>
               <a:ext uri="{91240B29-F687-4f45-9708-019B960494DF}">
-                <a14:hiddenLine xmlns="" xmlns:a14="http://schemas.microsoft.com/office/drawing/2010/main" w="9525">
+                <a14:hiddenLine xmlns:a14="http://schemas.microsoft.com/office/drawing/2010/main" xmlns="" w="9525">
                   <a:solidFill>
                     <a:srgbClr val="000000"/>
                   </a:solidFill>
@@ -3713,7 +3721,7 @@
             </a:ln>
             <a:extLst>
               <a:ext uri="{91240B29-F687-4f45-9708-019B960494DF}">
-                <a14:hiddenLine xmlns="" xmlns:a14="http://schemas.microsoft.com/office/drawing/2010/main" w="9525">
+                <a14:hiddenLine xmlns:a14="http://schemas.microsoft.com/office/drawing/2010/main" xmlns="" w="9525">
                   <a:solidFill>
                     <a:srgbClr val="000000"/>
                   </a:solidFill>
@@ -3775,7 +3783,7 @@
             </a:ln>
             <a:extLst>
               <a:ext uri="{91240B29-F687-4f45-9708-019B960494DF}">
-                <a14:hiddenLine xmlns="" xmlns:a14="http://schemas.microsoft.com/office/drawing/2010/main" w="9525">
+                <a14:hiddenLine xmlns:a14="http://schemas.microsoft.com/office/drawing/2010/main" xmlns="" w="9525">
                   <a:solidFill>
                     <a:srgbClr val="000000"/>
                   </a:solidFill>
@@ -3865,7 +3873,7 @@
             </a:ln>
             <a:extLst>
               <a:ext uri="{91240B29-F687-4f45-9708-019B960494DF}">
-                <a14:hiddenLine xmlns="" xmlns:a14="http://schemas.microsoft.com/office/drawing/2010/main" w="9525">
+                <a14:hiddenLine xmlns:a14="http://schemas.microsoft.com/office/drawing/2010/main" xmlns="" w="9525">
                   <a:solidFill>
                     <a:srgbClr val="000000"/>
                   </a:solidFill>
@@ -3927,7 +3935,7 @@
             </a:ln>
             <a:extLst>
               <a:ext uri="{91240B29-F687-4f45-9708-019B960494DF}">
-                <a14:hiddenLine xmlns="" xmlns:a14="http://schemas.microsoft.com/office/drawing/2010/main" w="9525">
+                <a14:hiddenLine xmlns:a14="http://schemas.microsoft.com/office/drawing/2010/main" xmlns="" w="9525">
                   <a:solidFill>
                     <a:srgbClr val="000000"/>
                   </a:solidFill>
@@ -4017,7 +4025,7 @@
             </a:ln>
             <a:extLst>
               <a:ext uri="{91240B29-F687-4f45-9708-019B960494DF}">
-                <a14:hiddenLine xmlns="" xmlns:a14="http://schemas.microsoft.com/office/drawing/2010/main" w="9525">
+                <a14:hiddenLine xmlns:a14="http://schemas.microsoft.com/office/drawing/2010/main" xmlns="" w="9525">
                   <a:solidFill>
                     <a:srgbClr val="000000"/>
                   </a:solidFill>
@@ -4079,7 +4087,7 @@
             </a:ln>
             <a:extLst>
               <a:ext uri="{91240B29-F687-4f45-9708-019B960494DF}">
-                <a14:hiddenLine xmlns="" xmlns:a14="http://schemas.microsoft.com/office/drawing/2010/main" w="9525">
+                <a14:hiddenLine xmlns:a14="http://schemas.microsoft.com/office/drawing/2010/main" xmlns="" w="9525">
                   <a:solidFill>
                     <a:srgbClr val="000000"/>
                   </a:solidFill>
@@ -4169,7 +4177,7 @@
             </a:ln>
             <a:extLst>
               <a:ext uri="{91240B29-F687-4f45-9708-019B960494DF}">
-                <a14:hiddenLine xmlns="" xmlns:a14="http://schemas.microsoft.com/office/drawing/2010/main" w="9525">
+                <a14:hiddenLine xmlns:a14="http://schemas.microsoft.com/office/drawing/2010/main" xmlns="" w="9525">
                   <a:solidFill>
                     <a:srgbClr val="000000"/>
                   </a:solidFill>
@@ -4203,7 +4211,7 @@
             </a:ln>
             <a:extLst>
               <a:ext uri="{91240B29-F687-4f45-9708-019B960494DF}">
-                <a14:hiddenLine xmlns="" xmlns:a14="http://schemas.microsoft.com/office/drawing/2010/main" w="9525">
+                <a14:hiddenLine xmlns:a14="http://schemas.microsoft.com/office/drawing/2010/main" xmlns="" w="9525">
                   <a:solidFill>
                     <a:srgbClr val="000000"/>
                   </a:solidFill>
@@ -4268,7 +4276,7 @@
             </a:ln>
             <a:extLst>
               <a:ext uri="{91240B29-F687-4f45-9708-019B960494DF}">
-                <a14:hiddenLine xmlns="" xmlns:a14="http://schemas.microsoft.com/office/drawing/2010/main" w="9525">
+                <a14:hiddenLine xmlns:a14="http://schemas.microsoft.com/office/drawing/2010/main" xmlns="" w="9525">
                   <a:solidFill>
                     <a:srgbClr val="000000"/>
                   </a:solidFill>
@@ -4358,7 +4366,7 @@
             </a:ln>
             <a:extLst>
               <a:ext uri="{91240B29-F687-4f45-9708-019B960494DF}">
-                <a14:hiddenLine xmlns="" xmlns:a14="http://schemas.microsoft.com/office/drawing/2010/main" w="9525">
+                <a14:hiddenLine xmlns:a14="http://schemas.microsoft.com/office/drawing/2010/main" xmlns="" w="9525">
                   <a:solidFill>
                     <a:srgbClr val="000000"/>
                   </a:solidFill>
@@ -4420,7 +4428,7 @@
             </a:ln>
             <a:extLst>
               <a:ext uri="{91240B29-F687-4f45-9708-019B960494DF}">
-                <a14:hiddenLine xmlns="" xmlns:a14="http://schemas.microsoft.com/office/drawing/2010/main" w="9525">
+                <a14:hiddenLine xmlns:a14="http://schemas.microsoft.com/office/drawing/2010/main" xmlns="" w="9525">
                   <a:solidFill>
                     <a:srgbClr val="000000"/>
                   </a:solidFill>
@@ -4510,7 +4518,7 @@
             </a:ln>
             <a:extLst>
               <a:ext uri="{91240B29-F687-4f45-9708-019B960494DF}">
-                <a14:hiddenLine xmlns="" xmlns:a14="http://schemas.microsoft.com/office/drawing/2010/main" w="9525">
+                <a14:hiddenLine xmlns:a14="http://schemas.microsoft.com/office/drawing/2010/main" xmlns="" w="9525">
                   <a:solidFill>
                     <a:srgbClr val="000000"/>
                   </a:solidFill>
@@ -4600,7 +4608,7 @@
             </a:ln>
             <a:extLst>
               <a:ext uri="{91240B29-F687-4f45-9708-019B960494DF}">
-                <a14:hiddenLine xmlns="" xmlns:a14="http://schemas.microsoft.com/office/drawing/2010/main" w="9525">
+                <a14:hiddenLine xmlns:a14="http://schemas.microsoft.com/office/drawing/2010/main" xmlns="" w="9525">
                   <a:solidFill>
                     <a:srgbClr val="000000"/>
                   </a:solidFill>
@@ -4665,7 +4673,7 @@
             </a:ln>
             <a:extLst>
               <a:ext uri="{91240B29-F687-4f45-9708-019B960494DF}">
-                <a14:hiddenLine xmlns="" xmlns:a14="http://schemas.microsoft.com/office/drawing/2010/main" w="9525">
+                <a14:hiddenLine xmlns:a14="http://schemas.microsoft.com/office/drawing/2010/main" xmlns="" w="9525">
                   <a:solidFill>
                     <a:srgbClr val="000000"/>
                   </a:solidFill>
@@ -4727,7 +4735,7 @@
             </a:ln>
             <a:extLst>
               <a:ext uri="{91240B29-F687-4f45-9708-019B960494DF}">
-                <a14:hiddenLine xmlns="" xmlns:a14="http://schemas.microsoft.com/office/drawing/2010/main" w="9525">
+                <a14:hiddenLine xmlns:a14="http://schemas.microsoft.com/office/drawing/2010/main" xmlns="" w="9525">
                   <a:solidFill>
                     <a:srgbClr val="000000"/>
                   </a:solidFill>
@@ -4817,7 +4825,7 @@
             </a:ln>
             <a:extLst>
               <a:ext uri="{91240B29-F687-4f45-9708-019B960494DF}">
-                <a14:hiddenLine xmlns="" xmlns:a14="http://schemas.microsoft.com/office/drawing/2010/main" w="9525">
+                <a14:hiddenLine xmlns:a14="http://schemas.microsoft.com/office/drawing/2010/main" xmlns="" w="9525">
                   <a:solidFill>
                     <a:srgbClr val="000000"/>
                   </a:solidFill>
@@ -4907,7 +4915,7 @@
             </a:ln>
             <a:extLst>
               <a:ext uri="{91240B29-F687-4f45-9708-019B960494DF}">
-                <a14:hiddenLine xmlns="" xmlns:a14="http://schemas.microsoft.com/office/drawing/2010/main" w="9525">
+                <a14:hiddenLine xmlns:a14="http://schemas.microsoft.com/office/drawing/2010/main" xmlns="" w="9525">
                   <a:solidFill>
                     <a:srgbClr val="000000"/>
                   </a:solidFill>
@@ -4969,7 +4977,7 @@
             </a:ln>
             <a:extLst>
               <a:ext uri="{91240B29-F687-4f45-9708-019B960494DF}">
-                <a14:hiddenLine xmlns="" xmlns:a14="http://schemas.microsoft.com/office/drawing/2010/main" w="9525">
+                <a14:hiddenLine xmlns:a14="http://schemas.microsoft.com/office/drawing/2010/main" xmlns="" w="9525">
                   <a:solidFill>
                     <a:srgbClr val="000000"/>
                   </a:solidFill>
@@ -5089,7 +5097,7 @@
             </a:ln>
             <a:extLst>
               <a:ext uri="{91240B29-F687-4f45-9708-019B960494DF}">
-                <a14:hiddenLine xmlns="" xmlns:a14="http://schemas.microsoft.com/office/drawing/2010/main" w="9525">
+                <a14:hiddenLine xmlns:a14="http://schemas.microsoft.com/office/drawing/2010/main" xmlns="" w="9525">
                   <a:solidFill>
                     <a:srgbClr val="000000"/>
                   </a:solidFill>
@@ -5157,7 +5165,7 @@
             </a:ln>
             <a:extLst>
               <a:ext uri="{91240B29-F687-4f45-9708-019B960494DF}">
-                <a14:hiddenLine xmlns="" xmlns:a14="http://schemas.microsoft.com/office/drawing/2010/main" w="9525">
+                <a14:hiddenLine xmlns:a14="http://schemas.microsoft.com/office/drawing/2010/main" xmlns="" w="9525">
                   <a:solidFill>
                     <a:srgbClr val="000000"/>
                   </a:solidFill>
@@ -5247,7 +5255,7 @@
             </a:ln>
             <a:extLst>
               <a:ext uri="{91240B29-F687-4f45-9708-019B960494DF}">
-                <a14:hiddenLine xmlns="" xmlns:a14="http://schemas.microsoft.com/office/drawing/2010/main" w="9525">
+                <a14:hiddenLine xmlns:a14="http://schemas.microsoft.com/office/drawing/2010/main" xmlns="" w="9525">
                   <a:solidFill>
                     <a:srgbClr val="000000"/>
                   </a:solidFill>
@@ -5387,7 +5395,7 @@
           <a:p>
             <a:fld id="{4AAD347D-5ACD-4C99-B74B-A9C85AD731AF}" type="datetimeFigureOut">
               <a:rPr lang="en-US" smtClean="0"/>
-              <a:t>9/18/2021</a:t>
+              <a:t>9/21/2021</a:t>
             </a:fld>
             <a:endParaRPr lang="en-US" dirty="0"/>
           </a:p>
@@ -5664,7 +5672,7 @@
           <a:p>
             <a:fld id="{4AAD347D-5ACD-4C99-B74B-A9C85AD731AF}" type="datetimeFigureOut">
               <a:rPr lang="en-US" smtClean="0"/>
-              <a:t>9/18/2021</a:t>
+              <a:t>9/21/2021</a:t>
             </a:fld>
             <a:endParaRPr lang="en-US" dirty="0"/>
           </a:p>
@@ -5870,7 +5878,7 @@
           <a:p>
             <a:fld id="{4AAD347D-5ACD-4C99-B74B-A9C85AD731AF}" type="datetimeFigureOut">
               <a:rPr lang="en-US" smtClean="0"/>
-              <a:t>9/18/2021</a:t>
+              <a:t>9/21/2021</a:t>
             </a:fld>
             <a:endParaRPr lang="en-US" dirty="0"/>
           </a:p>
@@ -6143,7 +6151,7 @@
           <a:p>
             <a:fld id="{4AAD347D-5ACD-4C99-B74B-A9C85AD731AF}" type="datetimeFigureOut">
               <a:rPr lang="en-US" smtClean="0"/>
-              <a:t>9/18/2021</a:t>
+              <a:t>9/21/2021</a:t>
             </a:fld>
             <a:endParaRPr lang="en-US" dirty="0"/>
           </a:p>
@@ -6587,7 +6595,7 @@
           <a:p>
             <a:fld id="{4AAD347D-5ACD-4C99-B74B-A9C85AD731AF}" type="datetimeFigureOut">
               <a:rPr lang="en-US" smtClean="0"/>
-              <a:t>9/18/2021</a:t>
+              <a:t>9/21/2021</a:t>
             </a:fld>
             <a:endParaRPr lang="en-US" dirty="0"/>
           </a:p>
@@ -7143,7 +7151,7 @@
           <a:p>
             <a:fld id="{4AAD347D-5ACD-4C99-B74B-A9C85AD731AF}" type="datetimeFigureOut">
               <a:rPr lang="en-US" smtClean="0"/>
-              <a:t>9/18/2021</a:t>
+              <a:t>9/21/2021</a:t>
             </a:fld>
             <a:endParaRPr lang="en-US" dirty="0"/>
           </a:p>
@@ -7873,7 +7881,7 @@
           <a:p>
             <a:fld id="{4AAD347D-5ACD-4C99-B74B-A9C85AD731AF}" type="datetimeFigureOut">
               <a:rPr lang="en-US" smtClean="0"/>
-              <a:t>9/18/2021</a:t>
+              <a:t>9/21/2021</a:t>
             </a:fld>
             <a:endParaRPr lang="en-US" dirty="0"/>
           </a:p>
@@ -8053,7 +8061,7 @@
           <a:p>
             <a:fld id="{4509A250-FF31-4206-8172-F9D3106AACB1}" type="datetimeFigureOut">
               <a:rPr lang="en-US" smtClean="0"/>
-              <a:t>9/18/2021</a:t>
+              <a:t>9/21/2021</a:t>
             </a:fld>
             <a:endParaRPr lang="en-US" dirty="0"/>
           </a:p>
@@ -8243,7 +8251,7 @@
           <a:p>
             <a:fld id="{4509A250-FF31-4206-8172-F9D3106AACB1}" type="datetimeFigureOut">
               <a:rPr lang="en-US" smtClean="0"/>
-              <a:t>9/18/2021</a:t>
+              <a:t>9/21/2021</a:t>
             </a:fld>
             <a:endParaRPr lang="en-US" dirty="0"/>
           </a:p>
@@ -8790,7 +8798,7 @@
           <a:p>
             <a:fld id="{4509A250-FF31-4206-8172-F9D3106AACB1}" type="datetimeFigureOut">
               <a:rPr lang="en-US" smtClean="0"/>
-              <a:t>9/18/2021</a:t>
+              <a:t>9/21/2021</a:t>
             </a:fld>
             <a:endParaRPr lang="en-US" dirty="0"/>
           </a:p>
@@ -9050,7 +9058,7 @@
           <a:p>
             <a:fld id="{9796027F-7875-4030-9381-8BD8C4F21935}" type="datetimeFigureOut">
               <a:rPr lang="en-US" smtClean="0"/>
-              <a:t>9/18/2021</a:t>
+              <a:t>9/21/2021</a:t>
             </a:fld>
             <a:endParaRPr lang="en-US" dirty="0"/>
           </a:p>
@@ -9292,7 +9300,7 @@
           <a:p>
             <a:fld id="{9796027F-7875-4030-9381-8BD8C4F21935}" type="datetimeFigureOut">
               <a:rPr lang="en-US" smtClean="0"/>
-              <a:t>9/18/2021</a:t>
+              <a:t>9/21/2021</a:t>
             </a:fld>
             <a:endParaRPr lang="en-US" dirty="0"/>
           </a:p>
@@ -9683,7 +9691,7 @@
           <a:p>
             <a:fld id="{9796027F-7875-4030-9381-8BD8C4F21935}" type="datetimeFigureOut">
               <a:rPr lang="en-US" smtClean="0"/>
-              <a:t>9/18/2021</a:t>
+              <a:t>9/21/2021</a:t>
             </a:fld>
             <a:endParaRPr lang="en-US" dirty="0"/>
           </a:p>
@@ -9811,7 +9819,7 @@
           <a:p>
             <a:fld id="{4509A250-FF31-4206-8172-F9D3106AACB1}" type="datetimeFigureOut">
               <a:rPr lang="en-US" smtClean="0"/>
-              <a:t>9/18/2021</a:t>
+              <a:t>9/21/2021</a:t>
             </a:fld>
             <a:endParaRPr lang="en-US" dirty="0"/>
           </a:p>
@@ -9916,7 +9924,7 @@
           <a:p>
             <a:fld id="{4509A250-FF31-4206-8172-F9D3106AACB1}" type="datetimeFigureOut">
               <a:rPr lang="en-US" smtClean="0"/>
-              <a:t>9/18/2021</a:t>
+              <a:t>9/21/2021</a:t>
             </a:fld>
             <a:endParaRPr lang="en-US" dirty="0"/>
           </a:p>
@@ -10174,7 +10182,7 @@
           <a:p>
             <a:fld id="{4509A250-FF31-4206-8172-F9D3106AACB1}" type="datetimeFigureOut">
               <a:rPr lang="en-US" smtClean="0"/>
-              <a:t>9/18/2021</a:t>
+              <a:t>9/21/2021</a:t>
             </a:fld>
             <a:endParaRPr lang="en-US" dirty="0"/>
           </a:p>
@@ -10464,7 +10472,7 @@
           <a:p>
             <a:fld id="{4509A250-FF31-4206-8172-F9D3106AACB1}" type="datetimeFigureOut">
               <a:rPr lang="en-US" smtClean="0"/>
-              <a:t>9/18/2021</a:t>
+              <a:t>9/21/2021</a:t>
             </a:fld>
             <a:endParaRPr lang="en-US" dirty="0"/>
           </a:p>
@@ -10590,7 +10598,7 @@
           <a:noFill/>
           <a:extLst>
             <a:ext uri="{909E8E84-426E-40dd-AFC4-6F175D3DCCD1}">
-              <a14:hiddenFill xmlns="" xmlns:a14="http://schemas.microsoft.com/office/drawing/2010/main">
+              <a14:hiddenFill xmlns:a14="http://schemas.microsoft.com/office/drawing/2010/main" xmlns="">
                 <a:solidFill>
                   <a:srgbClr val="FFFFFF"/>
                 </a:solidFill>
@@ -10664,7 +10672,7 @@
               </a:ln>
               <a:extLst>
                 <a:ext uri="{91240B29-F687-4f45-9708-019B960494DF}">
-                  <a14:hiddenLine xmlns="" xmlns:a14="http://schemas.microsoft.com/office/drawing/2010/main" w="9525">
+                  <a14:hiddenLine xmlns:a14="http://schemas.microsoft.com/office/drawing/2010/main" xmlns="" w="9525">
                     <a:solidFill>
                       <a:srgbClr val="000000"/>
                     </a:solidFill>
@@ -10754,7 +10762,7 @@
               </a:ln>
               <a:extLst>
                 <a:ext uri="{91240B29-F687-4f45-9708-019B960494DF}">
-                  <a14:hiddenLine xmlns="" xmlns:a14="http://schemas.microsoft.com/office/drawing/2010/main" w="9525">
+                  <a14:hiddenLine xmlns:a14="http://schemas.microsoft.com/office/drawing/2010/main" xmlns="" w="9525">
                     <a:solidFill>
                       <a:srgbClr val="000000"/>
                     </a:solidFill>
@@ -10844,7 +10852,7 @@
               </a:ln>
               <a:extLst>
                 <a:ext uri="{91240B29-F687-4f45-9708-019B960494DF}">
-                  <a14:hiddenLine xmlns="" xmlns:a14="http://schemas.microsoft.com/office/drawing/2010/main" w="9525">
+                  <a14:hiddenLine xmlns:a14="http://schemas.microsoft.com/office/drawing/2010/main" xmlns="" w="9525">
                     <a:solidFill>
                       <a:srgbClr val="000000"/>
                     </a:solidFill>
@@ -10906,7 +10914,7 @@
               </a:ln>
               <a:extLst>
                 <a:ext uri="{91240B29-F687-4f45-9708-019B960494DF}">
-                  <a14:hiddenLine xmlns="" xmlns:a14="http://schemas.microsoft.com/office/drawing/2010/main" w="9525">
+                  <a14:hiddenLine xmlns:a14="http://schemas.microsoft.com/office/drawing/2010/main" xmlns="" w="9525">
                     <a:solidFill>
                       <a:srgbClr val="000000"/>
                     </a:solidFill>
@@ -10996,7 +11004,7 @@
               </a:ln>
               <a:extLst>
                 <a:ext uri="{91240B29-F687-4f45-9708-019B960494DF}">
-                  <a14:hiddenLine xmlns="" xmlns:a14="http://schemas.microsoft.com/office/drawing/2010/main" w="9525">
+                  <a14:hiddenLine xmlns:a14="http://schemas.microsoft.com/office/drawing/2010/main" xmlns="" w="9525">
                     <a:solidFill>
                       <a:srgbClr val="000000"/>
                     </a:solidFill>
@@ -11058,7 +11066,7 @@
               </a:ln>
               <a:extLst>
                 <a:ext uri="{91240B29-F687-4f45-9708-019B960494DF}">
-                  <a14:hiddenLine xmlns="" xmlns:a14="http://schemas.microsoft.com/office/drawing/2010/main" w="9525">
+                  <a14:hiddenLine xmlns:a14="http://schemas.microsoft.com/office/drawing/2010/main" xmlns="" w="9525">
                     <a:solidFill>
                       <a:srgbClr val="000000"/>
                     </a:solidFill>
@@ -11120,7 +11128,7 @@
               </a:ln>
               <a:extLst>
                 <a:ext uri="{91240B29-F687-4f45-9708-019B960494DF}">
-                  <a14:hiddenLine xmlns="" xmlns:a14="http://schemas.microsoft.com/office/drawing/2010/main" w="9525">
+                  <a14:hiddenLine xmlns:a14="http://schemas.microsoft.com/office/drawing/2010/main" xmlns="" w="9525">
                     <a:solidFill>
                       <a:srgbClr val="000000"/>
                     </a:solidFill>
@@ -11210,7 +11218,7 @@
               </a:ln>
               <a:extLst>
                 <a:ext uri="{91240B29-F687-4f45-9708-019B960494DF}">
-                  <a14:hiddenLine xmlns="" xmlns:a14="http://schemas.microsoft.com/office/drawing/2010/main" w="9525">
+                  <a14:hiddenLine xmlns:a14="http://schemas.microsoft.com/office/drawing/2010/main" xmlns="" w="9525">
                     <a:solidFill>
                       <a:srgbClr val="000000"/>
                     </a:solidFill>
@@ -11300,7 +11308,7 @@
               </a:ln>
               <a:extLst>
                 <a:ext uri="{91240B29-F687-4f45-9708-019B960494DF}">
-                  <a14:hiddenLine xmlns="" xmlns:a14="http://schemas.microsoft.com/office/drawing/2010/main" w="9525">
+                  <a14:hiddenLine xmlns:a14="http://schemas.microsoft.com/office/drawing/2010/main" xmlns="" w="9525">
                     <a:solidFill>
                       <a:srgbClr val="000000"/>
                     </a:solidFill>
@@ -11362,7 +11370,7 @@
               </a:ln>
               <a:extLst>
                 <a:ext uri="{91240B29-F687-4f45-9708-019B960494DF}">
-                  <a14:hiddenLine xmlns="" xmlns:a14="http://schemas.microsoft.com/office/drawing/2010/main" w="9525">
+                  <a14:hiddenLine xmlns:a14="http://schemas.microsoft.com/office/drawing/2010/main" xmlns="" w="9525">
                     <a:solidFill>
                       <a:srgbClr val="000000"/>
                     </a:solidFill>
@@ -11472,7 +11480,7 @@
               </a:ln>
               <a:extLst>
                 <a:ext uri="{91240B29-F687-4f45-9708-019B960494DF}">
-                  <a14:hiddenLine xmlns="" xmlns:a14="http://schemas.microsoft.com/office/drawing/2010/main" w="9525">
+                  <a14:hiddenLine xmlns:a14="http://schemas.microsoft.com/office/drawing/2010/main" xmlns="" w="9525">
                     <a:solidFill>
                       <a:srgbClr val="000000"/>
                     </a:solidFill>
@@ -11556,7 +11564,7 @@
               </a:ln>
               <a:extLst>
                 <a:ext uri="{91240B29-F687-4f45-9708-019B960494DF}">
-                  <a14:hiddenLine xmlns="" xmlns:a14="http://schemas.microsoft.com/office/drawing/2010/main" w="9525">
+                  <a14:hiddenLine xmlns:a14="http://schemas.microsoft.com/office/drawing/2010/main" xmlns="" w="9525">
                     <a:solidFill>
                       <a:srgbClr val="000000"/>
                     </a:solidFill>
@@ -11618,7 +11626,7 @@
               </a:ln>
               <a:extLst>
                 <a:ext uri="{91240B29-F687-4f45-9708-019B960494DF}">
-                  <a14:hiddenLine xmlns="" xmlns:a14="http://schemas.microsoft.com/office/drawing/2010/main" w="9525">
+                  <a14:hiddenLine xmlns:a14="http://schemas.microsoft.com/office/drawing/2010/main" xmlns="" w="9525">
                     <a:solidFill>
                       <a:srgbClr val="000000"/>
                     </a:solidFill>
@@ -11680,7 +11688,7 @@
               </a:ln>
               <a:extLst>
                 <a:ext uri="{91240B29-F687-4f45-9708-019B960494DF}">
-                  <a14:hiddenLine xmlns="" xmlns:a14="http://schemas.microsoft.com/office/drawing/2010/main" w="9525">
+                  <a14:hiddenLine xmlns:a14="http://schemas.microsoft.com/office/drawing/2010/main" xmlns="" w="9525">
                     <a:solidFill>
                       <a:srgbClr val="000000"/>
                     </a:solidFill>
@@ -11770,7 +11778,7 @@
               </a:ln>
               <a:extLst>
                 <a:ext uri="{91240B29-F687-4f45-9708-019B960494DF}">
-                  <a14:hiddenLine xmlns="" xmlns:a14="http://schemas.microsoft.com/office/drawing/2010/main" w="9525">
+                  <a14:hiddenLine xmlns:a14="http://schemas.microsoft.com/office/drawing/2010/main" xmlns="" w="9525">
                     <a:solidFill>
                       <a:srgbClr val="000000"/>
                     </a:solidFill>
@@ -11804,7 +11812,7 @@
               </a:ln>
               <a:extLst>
                 <a:ext uri="{91240B29-F687-4f45-9708-019B960494DF}">
-                  <a14:hiddenLine xmlns="" xmlns:a14="http://schemas.microsoft.com/office/drawing/2010/main" w="9525">
+                  <a14:hiddenLine xmlns:a14="http://schemas.microsoft.com/office/drawing/2010/main" xmlns="" w="9525">
                     <a:solidFill>
                       <a:srgbClr val="000000"/>
                     </a:solidFill>
@@ -11869,7 +11877,7 @@
               </a:ln>
               <a:extLst>
                 <a:ext uri="{91240B29-F687-4f45-9708-019B960494DF}">
-                  <a14:hiddenLine xmlns="" xmlns:a14="http://schemas.microsoft.com/office/drawing/2010/main" w="9525">
+                  <a14:hiddenLine xmlns:a14="http://schemas.microsoft.com/office/drawing/2010/main" xmlns="" w="9525">
                     <a:solidFill>
                       <a:srgbClr val="000000"/>
                     </a:solidFill>
@@ -11959,7 +11967,7 @@
               </a:ln>
               <a:extLst>
                 <a:ext uri="{91240B29-F687-4f45-9708-019B960494DF}">
-                  <a14:hiddenLine xmlns="" xmlns:a14="http://schemas.microsoft.com/office/drawing/2010/main" w="9525">
+                  <a14:hiddenLine xmlns:a14="http://schemas.microsoft.com/office/drawing/2010/main" xmlns="" w="9525">
                     <a:solidFill>
                       <a:srgbClr val="000000"/>
                     </a:solidFill>
@@ -12021,7 +12029,7 @@
               </a:ln>
               <a:extLst>
                 <a:ext uri="{91240B29-F687-4f45-9708-019B960494DF}">
-                  <a14:hiddenLine xmlns="" xmlns:a14="http://schemas.microsoft.com/office/drawing/2010/main" w="9525">
+                  <a14:hiddenLine xmlns:a14="http://schemas.microsoft.com/office/drawing/2010/main" xmlns="" w="9525">
                     <a:solidFill>
                       <a:srgbClr val="000000"/>
                     </a:solidFill>
@@ -12111,7 +12119,7 @@
               </a:ln>
               <a:extLst>
                 <a:ext uri="{91240B29-F687-4f45-9708-019B960494DF}">
-                  <a14:hiddenLine xmlns="" xmlns:a14="http://schemas.microsoft.com/office/drawing/2010/main" w="9525">
+                  <a14:hiddenLine xmlns:a14="http://schemas.microsoft.com/office/drawing/2010/main" xmlns="" w="9525">
                     <a:solidFill>
                       <a:srgbClr val="000000"/>
                     </a:solidFill>
@@ -12176,7 +12184,7 @@
               </a:ln>
               <a:extLst>
                 <a:ext uri="{91240B29-F687-4f45-9708-019B960494DF}">
-                  <a14:hiddenLine xmlns="" xmlns:a14="http://schemas.microsoft.com/office/drawing/2010/main" w="9525">
+                  <a14:hiddenLine xmlns:a14="http://schemas.microsoft.com/office/drawing/2010/main" xmlns="" w="9525">
                     <a:solidFill>
                       <a:srgbClr val="000000"/>
                     </a:solidFill>
@@ -12238,7 +12246,7 @@
               </a:ln>
               <a:extLst>
                 <a:ext uri="{91240B29-F687-4f45-9708-019B960494DF}">
-                  <a14:hiddenLine xmlns="" xmlns:a14="http://schemas.microsoft.com/office/drawing/2010/main" w="9525">
+                  <a14:hiddenLine xmlns:a14="http://schemas.microsoft.com/office/drawing/2010/main" xmlns="" w="9525">
                     <a:solidFill>
                       <a:srgbClr val="000000"/>
                     </a:solidFill>
@@ -12328,7 +12336,7 @@
               </a:ln>
               <a:extLst>
                 <a:ext uri="{91240B29-F687-4f45-9708-019B960494DF}">
-                  <a14:hiddenLine xmlns="" xmlns:a14="http://schemas.microsoft.com/office/drawing/2010/main" w="9525">
+                  <a14:hiddenLine xmlns:a14="http://schemas.microsoft.com/office/drawing/2010/main" xmlns="" w="9525">
                     <a:solidFill>
                       <a:srgbClr val="000000"/>
                     </a:solidFill>
@@ -12418,7 +12426,7 @@
               </a:ln>
               <a:extLst>
                 <a:ext uri="{91240B29-F687-4f45-9708-019B960494DF}">
-                  <a14:hiddenLine xmlns="" xmlns:a14="http://schemas.microsoft.com/office/drawing/2010/main" w="9525">
+                  <a14:hiddenLine xmlns:a14="http://schemas.microsoft.com/office/drawing/2010/main" xmlns="" w="9525">
                     <a:solidFill>
                       <a:srgbClr val="000000"/>
                     </a:solidFill>
@@ -12483,7 +12491,7 @@
               </a:ln>
               <a:extLst>
                 <a:ext uri="{91240B29-F687-4f45-9708-019B960494DF}">
-                  <a14:hiddenLine xmlns="" xmlns:a14="http://schemas.microsoft.com/office/drawing/2010/main" w="9525">
+                  <a14:hiddenLine xmlns:a14="http://schemas.microsoft.com/office/drawing/2010/main" xmlns="" w="9525">
                     <a:solidFill>
                       <a:srgbClr val="000000"/>
                     </a:solidFill>
@@ -12603,7 +12611,7 @@
               </a:ln>
               <a:extLst>
                 <a:ext uri="{91240B29-F687-4f45-9708-019B960494DF}">
-                  <a14:hiddenLine xmlns="" xmlns:a14="http://schemas.microsoft.com/office/drawing/2010/main" w="9525">
+                  <a14:hiddenLine xmlns:a14="http://schemas.microsoft.com/office/drawing/2010/main" xmlns="" w="9525">
                     <a:solidFill>
                       <a:srgbClr val="000000"/>
                     </a:solidFill>
@@ -12701,7 +12709,7 @@
               </a:ln>
               <a:extLst>
                 <a:ext uri="{91240B29-F687-4f45-9708-019B960494DF}">
-                  <a14:hiddenLine xmlns="" xmlns:a14="http://schemas.microsoft.com/office/drawing/2010/main" w="9525">
+                  <a14:hiddenLine xmlns:a14="http://schemas.microsoft.com/office/drawing/2010/main" xmlns="" w="9525">
                     <a:solidFill>
                       <a:srgbClr val="000000"/>
                     </a:solidFill>
@@ -12816,7 +12824,7 @@
               </a:ln>
               <a:extLst>
                 <a:ext uri="{91240B29-F687-4f45-9708-019B960494DF}">
-                  <a14:hiddenLine xmlns="" xmlns:a14="http://schemas.microsoft.com/office/drawing/2010/main" w="9525">
+                  <a14:hiddenLine xmlns:a14="http://schemas.microsoft.com/office/drawing/2010/main" xmlns="" w="9525">
                     <a:solidFill>
                       <a:srgbClr val="000000"/>
                     </a:solidFill>
@@ -12906,7 +12914,7 @@
               </a:ln>
               <a:extLst>
                 <a:ext uri="{91240B29-F687-4f45-9708-019B960494DF}">
-                  <a14:hiddenLine xmlns="" xmlns:a14="http://schemas.microsoft.com/office/drawing/2010/main" w="9525">
+                  <a14:hiddenLine xmlns:a14="http://schemas.microsoft.com/office/drawing/2010/main" xmlns="" w="9525">
                     <a:solidFill>
                       <a:srgbClr val="000000"/>
                     </a:solidFill>
@@ -12971,7 +12979,7 @@
               </a:ln>
               <a:extLst>
                 <a:ext uri="{91240B29-F687-4f45-9708-019B960494DF}">
-                  <a14:hiddenLine xmlns="" xmlns:a14="http://schemas.microsoft.com/office/drawing/2010/main" w="9525">
+                  <a14:hiddenLine xmlns:a14="http://schemas.microsoft.com/office/drawing/2010/main" xmlns="" w="9525">
                     <a:solidFill>
                       <a:srgbClr val="000000"/>
                     </a:solidFill>
@@ -13061,7 +13069,7 @@
               </a:ln>
               <a:extLst>
                 <a:ext uri="{91240B29-F687-4f45-9708-019B960494DF}">
-                  <a14:hiddenLine xmlns="" xmlns:a14="http://schemas.microsoft.com/office/drawing/2010/main" w="9525">
+                  <a14:hiddenLine xmlns:a14="http://schemas.microsoft.com/office/drawing/2010/main" xmlns="" w="9525">
                     <a:solidFill>
                       <a:srgbClr val="000000"/>
                     </a:solidFill>
@@ -13129,7 +13137,7 @@
               </a:ln>
               <a:extLst>
                 <a:ext uri="{91240B29-F687-4f45-9708-019B960494DF}">
-                  <a14:hiddenLine xmlns="" xmlns:a14="http://schemas.microsoft.com/office/drawing/2010/main" w="9525">
+                  <a14:hiddenLine xmlns:a14="http://schemas.microsoft.com/office/drawing/2010/main" xmlns="" w="9525">
                     <a:solidFill>
                       <a:srgbClr val="000000"/>
                     </a:solidFill>
@@ -13219,7 +13227,7 @@
               </a:ln>
               <a:extLst>
                 <a:ext uri="{91240B29-F687-4f45-9708-019B960494DF}">
-                  <a14:hiddenLine xmlns="" xmlns:a14="http://schemas.microsoft.com/office/drawing/2010/main" w="9525">
+                  <a14:hiddenLine xmlns:a14="http://schemas.microsoft.com/office/drawing/2010/main" xmlns="" w="9525">
                     <a:solidFill>
                       <a:srgbClr val="000000"/>
                     </a:solidFill>
@@ -13287,7 +13295,7 @@
               </a:ln>
               <a:extLst>
                 <a:ext uri="{91240B29-F687-4f45-9708-019B960494DF}">
-                  <a14:hiddenLine xmlns="" xmlns:a14="http://schemas.microsoft.com/office/drawing/2010/main" w="9525">
+                  <a14:hiddenLine xmlns:a14="http://schemas.microsoft.com/office/drawing/2010/main" xmlns="" w="9525">
                     <a:solidFill>
                       <a:srgbClr val="000000"/>
                     </a:solidFill>
@@ -13377,7 +13385,7 @@
               </a:ln>
               <a:extLst>
                 <a:ext uri="{91240B29-F687-4f45-9708-019B960494DF}">
-                  <a14:hiddenLine xmlns="" xmlns:a14="http://schemas.microsoft.com/office/drawing/2010/main" w="9525">
+                  <a14:hiddenLine xmlns:a14="http://schemas.microsoft.com/office/drawing/2010/main" xmlns="" w="9525">
                     <a:solidFill>
                       <a:srgbClr val="000000"/>
                     </a:solidFill>
@@ -13411,7 +13419,7 @@
               </a:ln>
               <a:extLst>
                 <a:ext uri="{91240B29-F687-4f45-9708-019B960494DF}">
-                  <a14:hiddenLine xmlns="" xmlns:a14="http://schemas.microsoft.com/office/drawing/2010/main" w="9525">
+                  <a14:hiddenLine xmlns:a14="http://schemas.microsoft.com/office/drawing/2010/main" xmlns="" w="9525">
                     <a:solidFill>
                       <a:srgbClr val="000000"/>
                     </a:solidFill>
@@ -13551,7 +13559,7 @@
           <a:p>
             <a:fld id="{4AAD347D-5ACD-4C99-B74B-A9C85AD731AF}" type="datetimeFigureOut">
               <a:rPr lang="en-US" smtClean="0"/>
-              <a:t>9/18/2021</a:t>
+              <a:t>9/21/2021</a:t>
             </a:fld>
             <a:endParaRPr lang="en-US" dirty="0"/>
           </a:p>
@@ -15152,6 +15160,216 @@
         </p:txBody>
       </p:sp>
     </p:spTree>
+  </p:cSld>
+  <p:clrMapOvr>
+    <a:masterClrMapping/>
+  </p:clrMapOvr>
+</p:sld>
+</file>
+
+<file path=ppt/slides/slide6.xml><?xml version="1.0" encoding="utf-8"?>
+<p:sld xmlns:a="http://schemas.openxmlformats.org/drawingml/2006/main" xmlns:r="http://schemas.openxmlformats.org/officeDocument/2006/relationships" xmlns:p="http://schemas.openxmlformats.org/presentationml/2006/main">
+  <p:cSld>
+    <p:spTree>
+      <p:nvGrpSpPr>
+        <p:cNvPr id="1" name=""/>
+        <p:cNvGrpSpPr/>
+        <p:nvPr/>
+      </p:nvGrpSpPr>
+      <p:grpSpPr>
+        <a:xfrm>
+          <a:off x="0" y="0"/>
+          <a:ext cx="0" cy="0"/>
+          <a:chOff x="0" y="0"/>
+          <a:chExt cx="0" cy="0"/>
+        </a:xfrm>
+      </p:grpSpPr>
+      <p:sp>
+        <p:nvSpPr>
+          <p:cNvPr id="2" name="Title 1">
+            <a:extLst>
+              <a:ext uri="{FF2B5EF4-FFF2-40B4-BE49-F238E27FC236}">
+                <a16:creationId xmlns:a16="http://schemas.microsoft.com/office/drawing/2014/main" id="{9139D68F-6ECC-43B3-B8E8-72E0B19AB062}"/>
+              </a:ext>
+            </a:extLst>
+          </p:cNvPr>
+          <p:cNvSpPr>
+            <a:spLocks noGrp="1"/>
+          </p:cNvSpPr>
+          <p:nvPr>
+            <p:ph type="title"/>
+          </p:nvPr>
+        </p:nvSpPr>
+        <p:spPr/>
+        <p:txBody>
+          <a:bodyPr/>
+          <a:lstStyle/>
+          <a:p>
+            <a:pPr algn="ctr"/>
+            <a:r>
+              <a:rPr lang="en-CA" dirty="0">
+                <a:solidFill>
+                  <a:schemeClr val="bg2"/>
+                </a:solidFill>
+              </a:rPr>
+              <a:t>References</a:t>
+            </a:r>
+          </a:p>
+        </p:txBody>
+      </p:sp>
+      <p:sp>
+        <p:nvSpPr>
+          <p:cNvPr id="3" name="Text Placeholder 2">
+            <a:extLst>
+              <a:ext uri="{FF2B5EF4-FFF2-40B4-BE49-F238E27FC236}">
+                <a16:creationId xmlns:a16="http://schemas.microsoft.com/office/drawing/2014/main" id="{D1CD3328-F3C5-419D-A6E4-AEBA92743880}"/>
+              </a:ext>
+            </a:extLst>
+          </p:cNvPr>
+          <p:cNvSpPr>
+            <a:spLocks noGrp="1"/>
+          </p:cNvSpPr>
+          <p:nvPr>
+            <p:ph type="body" idx="1"/>
+          </p:nvPr>
+        </p:nvSpPr>
+        <p:spPr/>
+        <p:txBody>
+          <a:bodyPr/>
+          <a:lstStyle/>
+          <a:p>
+            <a:r>
+              <a:rPr lang="en-CA" dirty="0">
+                <a:solidFill>
+                  <a:schemeClr val="bg2"/>
+                </a:solidFill>
+              </a:rPr>
+              <a:t>Atlatl HV V2 image</a:t>
+            </a:r>
+            <a:r>
+              <a:rPr lang="en-CA" dirty="0">
+                <a:solidFill>
+                  <a:schemeClr val="bg2"/>
+                </a:solidFill>
+                <a:hlinkClick r:id="rId2"/>
+              </a:rPr>
+              <a:t>: HV V2 image</a:t>
+            </a:r>
+            <a:endParaRPr lang="en-CA" dirty="0">
+              <a:solidFill>
+                <a:schemeClr val="bg2"/>
+              </a:solidFill>
+            </a:endParaRPr>
+          </a:p>
+          <a:p>
+            <a:endParaRPr lang="en-CA" dirty="0">
+              <a:solidFill>
+                <a:schemeClr val="bg2"/>
+              </a:solidFill>
+            </a:endParaRPr>
+          </a:p>
+          <a:p>
+            <a:r>
+              <a:rPr lang="en-CA" dirty="0">
+                <a:solidFill>
+                  <a:schemeClr val="bg2"/>
+                </a:solidFill>
+              </a:rPr>
+              <a:t>Kakute F7 V1.5: </a:t>
+            </a:r>
+            <a:r>
+              <a:rPr lang="en-CA" dirty="0">
+                <a:solidFill>
+                  <a:schemeClr val="bg2"/>
+                </a:solidFill>
+                <a:hlinkClick r:id="rId3"/>
+              </a:rPr>
+              <a:t>F7 V1.5 image</a:t>
+            </a:r>
+            <a:endParaRPr lang="en-CA" dirty="0">
+              <a:solidFill>
+                <a:schemeClr val="bg2"/>
+              </a:solidFill>
+            </a:endParaRPr>
+          </a:p>
+          <a:p>
+            <a:endParaRPr lang="en-CA" dirty="0">
+              <a:solidFill>
+                <a:schemeClr val="bg2"/>
+              </a:solidFill>
+            </a:endParaRPr>
+          </a:p>
+          <a:p>
+            <a:r>
+              <a:rPr lang="en-CA" dirty="0">
+                <a:solidFill>
+                  <a:schemeClr val="bg2"/>
+                </a:solidFill>
+              </a:rPr>
+              <a:t>4-in-1 ESC: </a:t>
+            </a:r>
+            <a:r>
+              <a:rPr lang="en-CA" dirty="0">
+                <a:solidFill>
+                  <a:schemeClr val="bg2"/>
+                </a:solidFill>
+                <a:hlinkClick r:id="rId4"/>
+              </a:rPr>
+              <a:t>ESC image </a:t>
+            </a:r>
+            <a:endParaRPr lang="en-CA" dirty="0">
+              <a:solidFill>
+                <a:schemeClr val="bg2"/>
+              </a:solidFill>
+            </a:endParaRPr>
+          </a:p>
+          <a:p>
+            <a:endParaRPr lang="en-CA" dirty="0">
+              <a:solidFill>
+                <a:schemeClr val="bg2"/>
+              </a:solidFill>
+            </a:endParaRPr>
+          </a:p>
+          <a:p>
+            <a:r>
+              <a:rPr lang="en-CA" dirty="0" err="1">
+                <a:solidFill>
+                  <a:schemeClr val="bg2"/>
+                </a:solidFill>
+              </a:rPr>
+              <a:t>ArduPilot</a:t>
+            </a:r>
+            <a:r>
+              <a:rPr lang="en-CA" dirty="0">
+                <a:solidFill>
+                  <a:schemeClr val="bg2"/>
+                </a:solidFill>
+              </a:rPr>
+              <a:t> Mission Planner: </a:t>
+            </a:r>
+            <a:r>
+              <a:rPr lang="en-CA" dirty="0">
+                <a:solidFill>
+                  <a:schemeClr val="bg2"/>
+                </a:solidFill>
+                <a:hlinkClick r:id="rId5"/>
+              </a:rPr>
+              <a:t>Mission Planner image</a:t>
+            </a:r>
+            <a:endParaRPr lang="en-CA" dirty="0">
+              <a:solidFill>
+                <a:schemeClr val="bg2"/>
+              </a:solidFill>
+            </a:endParaRPr>
+          </a:p>
+        </p:txBody>
+      </p:sp>
+    </p:spTree>
+    <p:extLst>
+      <p:ext uri="{BB962C8B-B14F-4D97-AF65-F5344CB8AC3E}">
+        <p14:creationId xmlns:p14="http://schemas.microsoft.com/office/powerpoint/2010/main" val="4008446220"/>
+      </p:ext>
+    </p:extLst>
   </p:cSld>
   <p:clrMapOvr>
     <a:masterClrMapping/>
